--- a/99_チーム内打合せ用（総合演習）/成果発表会_演習発表作成内容.pptx
+++ b/99_チーム内打合せ用（総合演習）/成果発表会_演習発表作成内容.pptx
@@ -212,7 +212,7 @@
           <a:p>
             <a:fld id="{FA011608-B1BF-444B-A7D6-51479C2B0F96}" type="datetimeFigureOut">
               <a:rPr kumimoji="1" lang="ja-JP" altLang="en-US" smtClean="0"/>
-              <a:t>2017/10/30</a:t>
+              <a:t>2017/10/31</a:t>
             </a:fld>
             <a:endParaRPr kumimoji="1" lang="ja-JP" altLang="en-US" dirty="0"/>
           </a:p>
@@ -738,7 +738,7 @@
           <a:p>
             <a:fld id="{5809B64C-90AE-46F4-867C-5C594C87C79F}" type="datetime1">
               <a:rPr kumimoji="1" lang="ja-JP" altLang="en-US" smtClean="0"/>
-              <a:t>2017/10/30</a:t>
+              <a:t>2017/10/31</a:t>
             </a:fld>
             <a:endParaRPr kumimoji="1" lang="ja-JP" altLang="en-US" dirty="0"/>
           </a:p>
@@ -985,7 +985,7 @@
           <a:p>
             <a:fld id="{929D9CDF-37F2-4B07-8E5B-BDAA8DACCB86}" type="datetime1">
               <a:rPr kumimoji="1" lang="ja-JP" altLang="en-US" smtClean="0"/>
-              <a:t>2017/10/30</a:t>
+              <a:t>2017/10/31</a:t>
             </a:fld>
             <a:endParaRPr kumimoji="1" lang="ja-JP" altLang="en-US" dirty="0"/>
           </a:p>
@@ -1280,7 +1280,7 @@
           <a:p>
             <a:fld id="{7E0BF77C-5F0B-4EA6-B165-CE76D2BE4A86}" type="datetime1">
               <a:rPr kumimoji="1" lang="ja-JP" altLang="en-US" smtClean="0"/>
-              <a:t>2017/10/30</a:t>
+              <a:t>2017/10/31</a:t>
             </a:fld>
             <a:endParaRPr kumimoji="1" lang="ja-JP" altLang="en-US" dirty="0"/>
           </a:p>
@@ -1489,7 +1489,7 @@
           <a:p>
             <a:fld id="{FAC069AA-DDE0-4F4C-836E-7AE611E3A200}" type="datetime1">
               <a:rPr kumimoji="1" lang="ja-JP" altLang="en-US" smtClean="0"/>
-              <a:t>2017/10/30</a:t>
+              <a:t>2017/10/31</a:t>
             </a:fld>
             <a:endParaRPr kumimoji="1" lang="ja-JP" altLang="en-US" dirty="0"/>
           </a:p>
@@ -1839,7 +1839,7 @@
           <a:p>
             <a:fld id="{90250A22-07ED-41CA-821A-786448802249}" type="datetime1">
               <a:rPr kumimoji="1" lang="ja-JP" altLang="en-US" smtClean="0"/>
-              <a:t>2017/10/30</a:t>
+              <a:t>2017/10/31</a:t>
             </a:fld>
             <a:endParaRPr kumimoji="1" lang="ja-JP" altLang="en-US" dirty="0"/>
           </a:p>
@@ -2185,7 +2185,7 @@
           <a:p>
             <a:fld id="{0A9BD107-5FFE-4AFB-A584-C5E7FBDA9DAA}" type="datetime1">
               <a:rPr kumimoji="1" lang="ja-JP" altLang="en-US" smtClean="0"/>
-              <a:t>2017/10/30</a:t>
+              <a:t>2017/10/31</a:t>
             </a:fld>
             <a:endParaRPr kumimoji="1" lang="ja-JP" altLang="en-US" dirty="0"/>
           </a:p>
@@ -2635,7 +2635,7 @@
           <a:p>
             <a:fld id="{E2F41550-CDAC-4329-A426-039CC4C35A60}" type="datetime1">
               <a:rPr kumimoji="1" lang="ja-JP" altLang="en-US" smtClean="0"/>
-              <a:t>2017/10/30</a:t>
+              <a:t>2017/10/31</a:t>
             </a:fld>
             <a:endParaRPr kumimoji="1" lang="ja-JP" altLang="en-US" dirty="0"/>
           </a:p>
@@ -2760,7 +2760,7 @@
           <a:p>
             <a:fld id="{5BA50DE7-C6ED-420E-8E02-BFE53B0ABC51}" type="datetime1">
               <a:rPr kumimoji="1" lang="ja-JP" altLang="en-US" smtClean="0"/>
-              <a:t>2017/10/30</a:t>
+              <a:t>2017/10/31</a:t>
             </a:fld>
             <a:endParaRPr kumimoji="1" lang="ja-JP" altLang="en-US" dirty="0"/>
           </a:p>
@@ -2938,7 +2938,7 @@
           <a:p>
             <a:fld id="{34F086B6-5BDB-4E2A-B730-C8A7E52F7ED0}" type="datetime1">
               <a:rPr kumimoji="1" lang="ja-JP" altLang="en-US" smtClean="0"/>
-              <a:t>2017/10/30</a:t>
+              <a:t>2017/10/31</a:t>
             </a:fld>
             <a:endParaRPr kumimoji="1" lang="ja-JP" altLang="en-US" dirty="0"/>
           </a:p>
@@ -3331,7 +3331,7 @@
           <a:p>
             <a:fld id="{E20D1996-E1DC-44E0-AB0E-C70FC00C8883}" type="datetime1">
               <a:rPr kumimoji="1" lang="ja-JP" altLang="en-US" smtClean="0"/>
-              <a:t>2017/10/30</a:t>
+              <a:t>2017/10/31</a:t>
             </a:fld>
             <a:endParaRPr kumimoji="1" lang="ja-JP" altLang="en-US" dirty="0"/>
           </a:p>
@@ -3720,7 +3720,7 @@
           <a:p>
             <a:fld id="{C5F67650-BDAE-4852-B98C-63D5BD9AC9EA}" type="datetime1">
               <a:rPr kumimoji="1" lang="ja-JP" altLang="en-US" smtClean="0"/>
-              <a:t>2017/10/30</a:t>
+              <a:t>2017/10/31</a:t>
             </a:fld>
             <a:endParaRPr kumimoji="1" lang="ja-JP" altLang="en-US" dirty="0"/>
           </a:p>
@@ -4046,7 +4046,7 @@
           <a:p>
             <a:fld id="{627E374C-9936-45C4-B6F0-74B04D90F15C}" type="datetime1">
               <a:rPr kumimoji="1" lang="ja-JP" altLang="en-US" smtClean="0"/>
-              <a:t>2017/10/30</a:t>
+              <a:t>2017/10/31</a:t>
             </a:fld>
             <a:endParaRPr kumimoji="1" lang="ja-JP" altLang="en-US" dirty="0"/>
           </a:p>
@@ -4725,11 +4725,7 @@
           <a:p>
             <a:r>
               <a:rPr lang="ja-JP" altLang="en-US" sz="4800" dirty="0" smtClean="0"/>
-              <a:t>システムの</a:t>
-            </a:r>
-            <a:r>
-              <a:rPr lang="ja-JP" altLang="en-US" sz="4800" dirty="0" smtClean="0"/>
-              <a:t>概要</a:t>
+              <a:t>システムの概要</a:t>
             </a:r>
             <a:endParaRPr kumimoji="1" lang="ja-JP" altLang="en-US" sz="4800" dirty="0"/>
           </a:p>
@@ -5677,7 +5673,7 @@
             </a:br>
             <a:r>
               <a:rPr lang="ja-JP" altLang="en-US" sz="3500" dirty="0" smtClean="0"/>
-              <a:t>・検索　　　　・修正（パスワード修正）</a:t>
+              <a:t>・検索　　　　</a:t>
             </a:r>
             <a:endParaRPr lang="en-US" altLang="ja-JP" sz="3500" dirty="0" smtClean="0"/>
           </a:p>

--- a/99_チーム内打合せ用（総合演習）/成果発表会_演習発表作成内容.pptx
+++ b/99_チーム内打合せ用（総合演習）/成果発表会_演習発表作成内容.pptx
@@ -8743,7 +8743,7 @@
         <p:spPr>
           <a:xfrm>
             <a:off x="796870" y="2060848"/>
-            <a:ext cx="7087498" cy="1450594"/>
+            <a:ext cx="7087498" cy="874409"/>
           </a:xfrm>
           <a:prstGeom prst="rect">
             <a:avLst/>
@@ -8751,7 +8751,7 @@
         </p:spPr>
         <p:txBody>
           <a:bodyPr vert="horz" lIns="0" tIns="45720" rIns="0" bIns="45720" rtlCol="0">
-            <a:normAutofit fontScale="85000" lnSpcReduction="20000"/>
+            <a:normAutofit/>
           </a:bodyPr>
           <a:lstStyle>
             <a:lvl1pPr marL="91440" indent="-91440" algn="l" defTabSz="914400" rtl="0" eaLnBrk="1" latinLnBrk="0" hangingPunct="1">
@@ -9009,29 +9009,7 @@
             </a:pPr>
             <a:r>
               <a:rPr lang="ja-JP" altLang="en-US" sz="3500" dirty="0" smtClean="0"/>
-              <a:t>・一覧表示 </a:t>
-            </a:r>
-            <a:r>
-              <a:rPr lang="en-US" altLang="ja-JP" sz="3500" dirty="0" smtClean="0"/>
-              <a:t/>
-            </a:r>
-            <a:br>
-              <a:rPr lang="en-US" altLang="ja-JP" sz="3500" dirty="0" smtClean="0"/>
-            </a:br>
-            <a:r>
-              <a:rPr lang="ja-JP" altLang="en-US" sz="3500" dirty="0" smtClean="0"/>
-              <a:t>・詳細表示</a:t>
-            </a:r>
-            <a:r>
-              <a:rPr lang="en-US" altLang="ja-JP" sz="3500" dirty="0" smtClean="0"/>
-              <a:t/>
-            </a:r>
-            <a:br>
-              <a:rPr lang="en-US" altLang="ja-JP" sz="3500" dirty="0" smtClean="0"/>
-            </a:br>
-            <a:r>
-              <a:rPr lang="ja-JP" altLang="en-US" sz="3500" dirty="0" smtClean="0"/>
-              <a:t>・検索など</a:t>
+              <a:t>・詳細検索機能</a:t>
             </a:r>
             <a:endParaRPr lang="en-US" altLang="ja-JP" sz="3500" dirty="0" smtClean="0"/>
           </a:p>
@@ -9047,7 +9025,7 @@
         </p:nvSpPr>
         <p:spPr>
           <a:xfrm>
-            <a:off x="276145" y="3617401"/>
+            <a:off x="251520" y="3082618"/>
             <a:ext cx="4392488" cy="709647"/>
           </a:xfrm>
           <a:prstGeom prst="rect">
@@ -9360,8 +9338,8 @@
         </p:nvSpPr>
         <p:spPr>
           <a:xfrm>
-            <a:off x="773143" y="4327048"/>
-            <a:ext cx="7111225" cy="1450594"/>
+            <a:off x="773143" y="3792264"/>
+            <a:ext cx="7255241" cy="1868984"/>
           </a:xfrm>
           <a:prstGeom prst="rect">
             <a:avLst/>
@@ -9369,7 +9347,7 @@
         </p:spPr>
         <p:txBody>
           <a:bodyPr vert="horz" lIns="0" tIns="45720" rIns="0" bIns="45720" rtlCol="0">
-            <a:normAutofit fontScale="85000" lnSpcReduction="20000"/>
+            <a:normAutofit/>
           </a:bodyPr>
           <a:lstStyle>
             <a:lvl1pPr marL="91440" indent="-91440" algn="l" defTabSz="914400" rtl="0" eaLnBrk="1" latinLnBrk="0" hangingPunct="1">
@@ -9622,12 +9600,15 @@
               <a:lnSpc>
                 <a:spcPct val="110000"/>
               </a:lnSpc>
-              <a:buFont typeface="Calibri" panose="020F0502020204030204" pitchFamily="34" charset="0"/>
               <a:buNone/>
             </a:pPr>
             <a:r>
+              <a:rPr lang="ja-JP" altLang="en-US" sz="3500" dirty="0"/>
+              <a:t>・一般社員の個人修正機能・</a:t>
+            </a:r>
+            <a:r>
               <a:rPr lang="ja-JP" altLang="en-US" sz="3500" dirty="0" smtClean="0"/>
-              <a:t>・一覧表示 </a:t>
+              <a:t>詳細表示</a:t>
             </a:r>
             <a:r>
               <a:rPr lang="en-US" altLang="ja-JP" sz="3500" dirty="0" smtClean="0"/>
@@ -9638,18 +9619,26 @@
             </a:br>
             <a:r>
               <a:rPr lang="ja-JP" altLang="en-US" sz="3500" dirty="0" smtClean="0"/>
-              <a:t>・詳細表示</a:t>
+              <a:t>・</a:t>
             </a:r>
             <a:r>
               <a:rPr lang="en-US" altLang="ja-JP" sz="3500" dirty="0" smtClean="0"/>
+              <a:t>CSV</a:t>
+            </a:r>
+            <a:r>
+              <a:rPr lang="ja-JP" altLang="en-US" sz="3500" dirty="0" smtClean="0"/>
+              <a:t>でデータの入出力機能</a:t>
+            </a:r>
+            <a:r>
+              <a:rPr lang="en-US" altLang="ja-JP" sz="3500" dirty="0"/>
               <a:t/>
             </a:r>
             <a:br>
-              <a:rPr lang="en-US" altLang="ja-JP" sz="3500" dirty="0" smtClean="0"/>
+              <a:rPr lang="en-US" altLang="ja-JP" sz="3500" dirty="0"/>
             </a:br>
             <a:r>
               <a:rPr lang="ja-JP" altLang="en-US" sz="3500" dirty="0" smtClean="0"/>
-              <a:t>・検索など</a:t>
+              <a:t>・パスワードの暗号化</a:t>
             </a:r>
             <a:endParaRPr lang="en-US" altLang="ja-JP" sz="3500" dirty="0" smtClean="0"/>
           </a:p>

--- a/99_チーム内打合せ用（総合演習）/成果発表会_演習発表作成内容.pptx
+++ b/99_チーム内打合せ用（総合演習）/成果発表会_演習発表作成内容.pptx
@@ -9,8 +9,8 @@
   </p:notesMasterIdLst>
   <p:sldIdLst>
     <p:sldId id="256" r:id="rId2"/>
-    <p:sldId id="259" r:id="rId3"/>
-    <p:sldId id="273" r:id="rId4"/>
+    <p:sldId id="273" r:id="rId3"/>
+    <p:sldId id="259" r:id="rId4"/>
     <p:sldId id="274" r:id="rId5"/>
     <p:sldId id="275" r:id="rId6"/>
   </p:sldIdLst>
@@ -4724,6 +4724,1378 @@
           <a:lstStyle/>
           <a:p>
             <a:r>
+              <a:rPr lang="ja-JP" altLang="en-US" dirty="0" smtClean="0"/>
+              <a:t>設計仕様書</a:t>
+            </a:r>
+            <a:endParaRPr kumimoji="1" lang="ja-JP" altLang="en-US" sz="4800" dirty="0"/>
+          </a:p>
+        </p:txBody>
+      </p:sp>
+      <p:sp>
+        <p:nvSpPr>
+          <p:cNvPr id="4" name="スライド番号プレースホルダー 3"/>
+          <p:cNvSpPr>
+            <a:spLocks noGrp="1"/>
+          </p:cNvSpPr>
+          <p:nvPr>
+            <p:ph type="sldNum" sz="quarter" idx="12"/>
+          </p:nvPr>
+        </p:nvSpPr>
+        <p:spPr/>
+        <p:txBody>
+          <a:bodyPr/>
+          <a:lstStyle/>
+          <a:p>
+            <a:fld id="{844D5AC9-94A7-43D1-943D-A48FDE10BE50}" type="slidenum">
+              <a:rPr kumimoji="1" lang="ja-JP" altLang="en-US" smtClean="0"/>
+              <a:t>2</a:t>
+            </a:fld>
+            <a:endParaRPr kumimoji="1" lang="ja-JP" altLang="en-US" dirty="0"/>
+          </a:p>
+        </p:txBody>
+      </p:sp>
+      <p:sp>
+        <p:nvSpPr>
+          <p:cNvPr id="5" name="コンテンツ プレースホルダー 2"/>
+          <p:cNvSpPr txBox="1">
+            <a:spLocks/>
+          </p:cNvSpPr>
+          <p:nvPr/>
+        </p:nvSpPr>
+        <p:spPr>
+          <a:xfrm>
+            <a:off x="4844675" y="682024"/>
+            <a:ext cx="4104456" cy="442720"/>
+          </a:xfrm>
+          <a:prstGeom prst="rect">
+            <a:avLst/>
+          </a:prstGeom>
+        </p:spPr>
+        <p:txBody>
+          <a:bodyPr vert="horz" lIns="0" tIns="45720" rIns="0" bIns="45720" rtlCol="0">
+            <a:normAutofit lnSpcReduction="10000"/>
+          </a:bodyPr>
+          <a:lstStyle>
+            <a:lvl1pPr marL="91440" indent="-91440" algn="l" defTabSz="914400" rtl="0" eaLnBrk="1" latinLnBrk="0" hangingPunct="1">
+              <a:lnSpc>
+                <a:spcPct val="90000"/>
+              </a:lnSpc>
+              <a:spcBef>
+                <a:spcPts val="1200"/>
+              </a:spcBef>
+              <a:spcAft>
+                <a:spcPts val="200"/>
+              </a:spcAft>
+              <a:buClr>
+                <a:schemeClr val="accent1"/>
+              </a:buClr>
+              <a:buSzPct val="100000"/>
+              <a:buFont typeface="Calibri" panose="020F0502020204030204" pitchFamily="34" charset="0"/>
+              <a:buChar char=" "/>
+              <a:defRPr kumimoji="1" sz="2000" kern="1200">
+                <a:solidFill>
+                  <a:schemeClr val="tx1">
+                    <a:lumMod val="75000"/>
+                    <a:lumOff val="25000"/>
+                  </a:schemeClr>
+                </a:solidFill>
+                <a:latin typeface="+mn-lt"/>
+                <a:ea typeface="+mn-ea"/>
+                <a:cs typeface="+mn-cs"/>
+              </a:defRPr>
+            </a:lvl1pPr>
+            <a:lvl2pPr marL="384048" indent="-182880" algn="l" defTabSz="914400" rtl="0" eaLnBrk="1" latinLnBrk="0" hangingPunct="1">
+              <a:lnSpc>
+                <a:spcPct val="90000"/>
+              </a:lnSpc>
+              <a:spcBef>
+                <a:spcPts val="200"/>
+              </a:spcBef>
+              <a:spcAft>
+                <a:spcPts val="400"/>
+              </a:spcAft>
+              <a:buClr>
+                <a:schemeClr val="accent1"/>
+              </a:buClr>
+              <a:buFont typeface="Calibri" pitchFamily="34" charset="0"/>
+              <a:buChar char="◦"/>
+              <a:defRPr kumimoji="1" sz="1800" kern="1200">
+                <a:solidFill>
+                  <a:schemeClr val="tx1">
+                    <a:lumMod val="75000"/>
+                    <a:lumOff val="25000"/>
+                  </a:schemeClr>
+                </a:solidFill>
+                <a:latin typeface="+mn-lt"/>
+                <a:ea typeface="+mn-ea"/>
+                <a:cs typeface="+mn-cs"/>
+              </a:defRPr>
+            </a:lvl2pPr>
+            <a:lvl3pPr marL="566928" indent="-182880" algn="l" defTabSz="914400" rtl="0" eaLnBrk="1" latinLnBrk="0" hangingPunct="1">
+              <a:lnSpc>
+                <a:spcPct val="90000"/>
+              </a:lnSpc>
+              <a:spcBef>
+                <a:spcPts val="200"/>
+              </a:spcBef>
+              <a:spcAft>
+                <a:spcPts val="400"/>
+              </a:spcAft>
+              <a:buClr>
+                <a:schemeClr val="accent1"/>
+              </a:buClr>
+              <a:buFont typeface="Calibri" pitchFamily="34" charset="0"/>
+              <a:buChar char="◦"/>
+              <a:defRPr kumimoji="1" sz="1400" kern="1200">
+                <a:solidFill>
+                  <a:schemeClr val="tx1">
+                    <a:lumMod val="75000"/>
+                    <a:lumOff val="25000"/>
+                  </a:schemeClr>
+                </a:solidFill>
+                <a:latin typeface="+mn-lt"/>
+                <a:ea typeface="+mn-ea"/>
+                <a:cs typeface="+mn-cs"/>
+              </a:defRPr>
+            </a:lvl3pPr>
+            <a:lvl4pPr marL="749808" indent="-182880" algn="l" defTabSz="914400" rtl="0" eaLnBrk="1" latinLnBrk="0" hangingPunct="1">
+              <a:lnSpc>
+                <a:spcPct val="90000"/>
+              </a:lnSpc>
+              <a:spcBef>
+                <a:spcPts val="200"/>
+              </a:spcBef>
+              <a:spcAft>
+                <a:spcPts val="400"/>
+              </a:spcAft>
+              <a:buClr>
+                <a:schemeClr val="accent1"/>
+              </a:buClr>
+              <a:buFont typeface="Calibri" pitchFamily="34" charset="0"/>
+              <a:buChar char="◦"/>
+              <a:defRPr kumimoji="1" sz="1400" kern="1200">
+                <a:solidFill>
+                  <a:schemeClr val="tx1">
+                    <a:lumMod val="75000"/>
+                    <a:lumOff val="25000"/>
+                  </a:schemeClr>
+                </a:solidFill>
+                <a:latin typeface="+mn-lt"/>
+                <a:ea typeface="+mn-ea"/>
+                <a:cs typeface="+mn-cs"/>
+              </a:defRPr>
+            </a:lvl4pPr>
+            <a:lvl5pPr marL="932688" indent="-182880" algn="l" defTabSz="914400" rtl="0" eaLnBrk="1" latinLnBrk="0" hangingPunct="1">
+              <a:lnSpc>
+                <a:spcPct val="90000"/>
+              </a:lnSpc>
+              <a:spcBef>
+                <a:spcPts val="200"/>
+              </a:spcBef>
+              <a:spcAft>
+                <a:spcPts val="400"/>
+              </a:spcAft>
+              <a:buClr>
+                <a:schemeClr val="accent1"/>
+              </a:buClr>
+              <a:buFont typeface="Calibri" pitchFamily="34" charset="0"/>
+              <a:buChar char="◦"/>
+              <a:defRPr kumimoji="1" sz="1400" kern="1200">
+                <a:solidFill>
+                  <a:schemeClr val="tx1">
+                    <a:lumMod val="75000"/>
+                    <a:lumOff val="25000"/>
+                  </a:schemeClr>
+                </a:solidFill>
+                <a:latin typeface="+mn-lt"/>
+                <a:ea typeface="+mn-ea"/>
+                <a:cs typeface="+mn-cs"/>
+              </a:defRPr>
+            </a:lvl5pPr>
+            <a:lvl6pPr marL="1100000" indent="-228600" algn="l" defTabSz="914400" rtl="0" eaLnBrk="1" latinLnBrk="0" hangingPunct="1">
+              <a:lnSpc>
+                <a:spcPct val="90000"/>
+              </a:lnSpc>
+              <a:spcBef>
+                <a:spcPts val="200"/>
+              </a:spcBef>
+              <a:spcAft>
+                <a:spcPts val="400"/>
+              </a:spcAft>
+              <a:buClr>
+                <a:schemeClr val="accent1"/>
+              </a:buClr>
+              <a:buFont typeface="Calibri" pitchFamily="34" charset="0"/>
+              <a:buChar char="◦"/>
+              <a:defRPr kumimoji="1" sz="1400" kern="1200">
+                <a:solidFill>
+                  <a:schemeClr val="tx1">
+                    <a:lumMod val="75000"/>
+                    <a:lumOff val="25000"/>
+                  </a:schemeClr>
+                </a:solidFill>
+                <a:latin typeface="+mn-lt"/>
+                <a:ea typeface="+mn-ea"/>
+                <a:cs typeface="+mn-cs"/>
+              </a:defRPr>
+            </a:lvl6pPr>
+            <a:lvl7pPr marL="1300000" indent="-228600" algn="l" defTabSz="914400" rtl="0" eaLnBrk="1" latinLnBrk="0" hangingPunct="1">
+              <a:lnSpc>
+                <a:spcPct val="90000"/>
+              </a:lnSpc>
+              <a:spcBef>
+                <a:spcPts val="200"/>
+              </a:spcBef>
+              <a:spcAft>
+                <a:spcPts val="400"/>
+              </a:spcAft>
+              <a:buClr>
+                <a:schemeClr val="accent1"/>
+              </a:buClr>
+              <a:buFont typeface="Calibri" pitchFamily="34" charset="0"/>
+              <a:buChar char="◦"/>
+              <a:defRPr kumimoji="1" sz="1400" kern="1200">
+                <a:solidFill>
+                  <a:schemeClr val="tx1">
+                    <a:lumMod val="75000"/>
+                    <a:lumOff val="25000"/>
+                  </a:schemeClr>
+                </a:solidFill>
+                <a:latin typeface="+mn-lt"/>
+                <a:ea typeface="+mn-ea"/>
+                <a:cs typeface="+mn-cs"/>
+              </a:defRPr>
+            </a:lvl7pPr>
+            <a:lvl8pPr marL="1500000" indent="-228600" algn="l" defTabSz="914400" rtl="0" eaLnBrk="1" latinLnBrk="0" hangingPunct="1">
+              <a:lnSpc>
+                <a:spcPct val="90000"/>
+              </a:lnSpc>
+              <a:spcBef>
+                <a:spcPts val="200"/>
+              </a:spcBef>
+              <a:spcAft>
+                <a:spcPts val="400"/>
+              </a:spcAft>
+              <a:buClr>
+                <a:schemeClr val="accent1"/>
+              </a:buClr>
+              <a:buFont typeface="Calibri" pitchFamily="34" charset="0"/>
+              <a:buChar char="◦"/>
+              <a:defRPr kumimoji="1" sz="1400" kern="1200">
+                <a:solidFill>
+                  <a:schemeClr val="tx1">
+                    <a:lumMod val="75000"/>
+                    <a:lumOff val="25000"/>
+                  </a:schemeClr>
+                </a:solidFill>
+                <a:latin typeface="+mn-lt"/>
+                <a:ea typeface="+mn-ea"/>
+                <a:cs typeface="+mn-cs"/>
+              </a:defRPr>
+            </a:lvl8pPr>
+            <a:lvl9pPr marL="1700000" indent="-228600" algn="l" defTabSz="914400" rtl="0" eaLnBrk="1" latinLnBrk="0" hangingPunct="1">
+              <a:lnSpc>
+                <a:spcPct val="90000"/>
+              </a:lnSpc>
+              <a:spcBef>
+                <a:spcPts val="200"/>
+              </a:spcBef>
+              <a:spcAft>
+                <a:spcPts val="400"/>
+              </a:spcAft>
+              <a:buClr>
+                <a:schemeClr val="accent1"/>
+              </a:buClr>
+              <a:buFont typeface="Calibri" pitchFamily="34" charset="0"/>
+              <a:buChar char="◦"/>
+              <a:defRPr kumimoji="1" sz="1400" kern="1200">
+                <a:solidFill>
+                  <a:schemeClr val="tx1">
+                    <a:lumMod val="75000"/>
+                    <a:lumOff val="25000"/>
+                  </a:schemeClr>
+                </a:solidFill>
+                <a:latin typeface="+mn-lt"/>
+                <a:ea typeface="+mn-ea"/>
+                <a:cs typeface="+mn-cs"/>
+              </a:defRPr>
+            </a:lvl9pPr>
+          </a:lstStyle>
+          <a:p>
+            <a:pPr marL="109728" indent="0">
+              <a:buFont typeface="Calibri" panose="020F0502020204030204" pitchFamily="34" charset="0"/>
+              <a:buNone/>
+            </a:pPr>
+            <a:r>
+              <a:rPr lang="ja-JP" altLang="en-US" sz="2800" dirty="0" smtClean="0"/>
+              <a:t>社員情報管理システム</a:t>
+            </a:r>
+            <a:endParaRPr lang="ja-JP" altLang="en-US" sz="2800" dirty="0"/>
+          </a:p>
+        </p:txBody>
+      </p:sp>
+      <p:sp>
+        <p:nvSpPr>
+          <p:cNvPr id="8" name="コンテンツ プレースホルダー 2"/>
+          <p:cNvSpPr txBox="1">
+            <a:spLocks/>
+          </p:cNvSpPr>
+          <p:nvPr/>
+        </p:nvSpPr>
+        <p:spPr>
+          <a:xfrm>
+            <a:off x="539552" y="1340768"/>
+            <a:ext cx="3787468" cy="3744416"/>
+          </a:xfrm>
+          <a:prstGeom prst="rect">
+            <a:avLst/>
+          </a:prstGeom>
+        </p:spPr>
+        <p:txBody>
+          <a:bodyPr vert="horz" lIns="0" tIns="45720" rIns="0" bIns="45720" rtlCol="0">
+            <a:normAutofit/>
+          </a:bodyPr>
+          <a:lstStyle>
+            <a:lvl1pPr marL="91440" indent="-91440" algn="l" defTabSz="914400" rtl="0" eaLnBrk="1" latinLnBrk="0" hangingPunct="1">
+              <a:lnSpc>
+                <a:spcPct val="90000"/>
+              </a:lnSpc>
+              <a:spcBef>
+                <a:spcPts val="1200"/>
+              </a:spcBef>
+              <a:spcAft>
+                <a:spcPts val="200"/>
+              </a:spcAft>
+              <a:buClr>
+                <a:schemeClr val="accent1"/>
+              </a:buClr>
+              <a:buSzPct val="100000"/>
+              <a:buFont typeface="Calibri" panose="020F0502020204030204" pitchFamily="34" charset="0"/>
+              <a:buChar char=" "/>
+              <a:defRPr kumimoji="1" sz="2000" kern="1200">
+                <a:solidFill>
+                  <a:schemeClr val="tx1">
+                    <a:lumMod val="75000"/>
+                    <a:lumOff val="25000"/>
+                  </a:schemeClr>
+                </a:solidFill>
+                <a:latin typeface="+mn-lt"/>
+                <a:ea typeface="+mn-ea"/>
+                <a:cs typeface="+mn-cs"/>
+              </a:defRPr>
+            </a:lvl1pPr>
+            <a:lvl2pPr marL="384048" indent="-182880" algn="l" defTabSz="914400" rtl="0" eaLnBrk="1" latinLnBrk="0" hangingPunct="1">
+              <a:lnSpc>
+                <a:spcPct val="90000"/>
+              </a:lnSpc>
+              <a:spcBef>
+                <a:spcPts val="200"/>
+              </a:spcBef>
+              <a:spcAft>
+                <a:spcPts val="400"/>
+              </a:spcAft>
+              <a:buClr>
+                <a:schemeClr val="accent1"/>
+              </a:buClr>
+              <a:buFont typeface="Calibri" pitchFamily="34" charset="0"/>
+              <a:buChar char="◦"/>
+              <a:defRPr kumimoji="1" sz="1800" kern="1200">
+                <a:solidFill>
+                  <a:schemeClr val="tx1">
+                    <a:lumMod val="75000"/>
+                    <a:lumOff val="25000"/>
+                  </a:schemeClr>
+                </a:solidFill>
+                <a:latin typeface="+mn-lt"/>
+                <a:ea typeface="+mn-ea"/>
+                <a:cs typeface="+mn-cs"/>
+              </a:defRPr>
+            </a:lvl2pPr>
+            <a:lvl3pPr marL="566928" indent="-182880" algn="l" defTabSz="914400" rtl="0" eaLnBrk="1" latinLnBrk="0" hangingPunct="1">
+              <a:lnSpc>
+                <a:spcPct val="90000"/>
+              </a:lnSpc>
+              <a:spcBef>
+                <a:spcPts val="200"/>
+              </a:spcBef>
+              <a:spcAft>
+                <a:spcPts val="400"/>
+              </a:spcAft>
+              <a:buClr>
+                <a:schemeClr val="accent1"/>
+              </a:buClr>
+              <a:buFont typeface="Calibri" pitchFamily="34" charset="0"/>
+              <a:buChar char="◦"/>
+              <a:defRPr kumimoji="1" sz="1400" kern="1200">
+                <a:solidFill>
+                  <a:schemeClr val="tx1">
+                    <a:lumMod val="75000"/>
+                    <a:lumOff val="25000"/>
+                  </a:schemeClr>
+                </a:solidFill>
+                <a:latin typeface="+mn-lt"/>
+                <a:ea typeface="+mn-ea"/>
+                <a:cs typeface="+mn-cs"/>
+              </a:defRPr>
+            </a:lvl3pPr>
+            <a:lvl4pPr marL="749808" indent="-182880" algn="l" defTabSz="914400" rtl="0" eaLnBrk="1" latinLnBrk="0" hangingPunct="1">
+              <a:lnSpc>
+                <a:spcPct val="90000"/>
+              </a:lnSpc>
+              <a:spcBef>
+                <a:spcPts val="200"/>
+              </a:spcBef>
+              <a:spcAft>
+                <a:spcPts val="400"/>
+              </a:spcAft>
+              <a:buClr>
+                <a:schemeClr val="accent1"/>
+              </a:buClr>
+              <a:buFont typeface="Calibri" pitchFamily="34" charset="0"/>
+              <a:buChar char="◦"/>
+              <a:defRPr kumimoji="1" sz="1400" kern="1200">
+                <a:solidFill>
+                  <a:schemeClr val="tx1">
+                    <a:lumMod val="75000"/>
+                    <a:lumOff val="25000"/>
+                  </a:schemeClr>
+                </a:solidFill>
+                <a:latin typeface="+mn-lt"/>
+                <a:ea typeface="+mn-ea"/>
+                <a:cs typeface="+mn-cs"/>
+              </a:defRPr>
+            </a:lvl4pPr>
+            <a:lvl5pPr marL="932688" indent="-182880" algn="l" defTabSz="914400" rtl="0" eaLnBrk="1" latinLnBrk="0" hangingPunct="1">
+              <a:lnSpc>
+                <a:spcPct val="90000"/>
+              </a:lnSpc>
+              <a:spcBef>
+                <a:spcPts val="200"/>
+              </a:spcBef>
+              <a:spcAft>
+                <a:spcPts val="400"/>
+              </a:spcAft>
+              <a:buClr>
+                <a:schemeClr val="accent1"/>
+              </a:buClr>
+              <a:buFont typeface="Calibri" pitchFamily="34" charset="0"/>
+              <a:buChar char="◦"/>
+              <a:defRPr kumimoji="1" sz="1400" kern="1200">
+                <a:solidFill>
+                  <a:schemeClr val="tx1">
+                    <a:lumMod val="75000"/>
+                    <a:lumOff val="25000"/>
+                  </a:schemeClr>
+                </a:solidFill>
+                <a:latin typeface="+mn-lt"/>
+                <a:ea typeface="+mn-ea"/>
+                <a:cs typeface="+mn-cs"/>
+              </a:defRPr>
+            </a:lvl5pPr>
+            <a:lvl6pPr marL="1100000" indent="-228600" algn="l" defTabSz="914400" rtl="0" eaLnBrk="1" latinLnBrk="0" hangingPunct="1">
+              <a:lnSpc>
+                <a:spcPct val="90000"/>
+              </a:lnSpc>
+              <a:spcBef>
+                <a:spcPts val="200"/>
+              </a:spcBef>
+              <a:spcAft>
+                <a:spcPts val="400"/>
+              </a:spcAft>
+              <a:buClr>
+                <a:schemeClr val="accent1"/>
+              </a:buClr>
+              <a:buFont typeface="Calibri" pitchFamily="34" charset="0"/>
+              <a:buChar char="◦"/>
+              <a:defRPr kumimoji="1" sz="1400" kern="1200">
+                <a:solidFill>
+                  <a:schemeClr val="tx1">
+                    <a:lumMod val="75000"/>
+                    <a:lumOff val="25000"/>
+                  </a:schemeClr>
+                </a:solidFill>
+                <a:latin typeface="+mn-lt"/>
+                <a:ea typeface="+mn-ea"/>
+                <a:cs typeface="+mn-cs"/>
+              </a:defRPr>
+            </a:lvl6pPr>
+            <a:lvl7pPr marL="1300000" indent="-228600" algn="l" defTabSz="914400" rtl="0" eaLnBrk="1" latinLnBrk="0" hangingPunct="1">
+              <a:lnSpc>
+                <a:spcPct val="90000"/>
+              </a:lnSpc>
+              <a:spcBef>
+                <a:spcPts val="200"/>
+              </a:spcBef>
+              <a:spcAft>
+                <a:spcPts val="400"/>
+              </a:spcAft>
+              <a:buClr>
+                <a:schemeClr val="accent1"/>
+              </a:buClr>
+              <a:buFont typeface="Calibri" pitchFamily="34" charset="0"/>
+              <a:buChar char="◦"/>
+              <a:defRPr kumimoji="1" sz="1400" kern="1200">
+                <a:solidFill>
+                  <a:schemeClr val="tx1">
+                    <a:lumMod val="75000"/>
+                    <a:lumOff val="25000"/>
+                  </a:schemeClr>
+                </a:solidFill>
+                <a:latin typeface="+mn-lt"/>
+                <a:ea typeface="+mn-ea"/>
+                <a:cs typeface="+mn-cs"/>
+              </a:defRPr>
+            </a:lvl7pPr>
+            <a:lvl8pPr marL="1500000" indent="-228600" algn="l" defTabSz="914400" rtl="0" eaLnBrk="1" latinLnBrk="0" hangingPunct="1">
+              <a:lnSpc>
+                <a:spcPct val="90000"/>
+              </a:lnSpc>
+              <a:spcBef>
+                <a:spcPts val="200"/>
+              </a:spcBef>
+              <a:spcAft>
+                <a:spcPts val="400"/>
+              </a:spcAft>
+              <a:buClr>
+                <a:schemeClr val="accent1"/>
+              </a:buClr>
+              <a:buFont typeface="Calibri" pitchFamily="34" charset="0"/>
+              <a:buChar char="◦"/>
+              <a:defRPr kumimoji="1" sz="1400" kern="1200">
+                <a:solidFill>
+                  <a:schemeClr val="tx1">
+                    <a:lumMod val="75000"/>
+                    <a:lumOff val="25000"/>
+                  </a:schemeClr>
+                </a:solidFill>
+                <a:latin typeface="+mn-lt"/>
+                <a:ea typeface="+mn-ea"/>
+                <a:cs typeface="+mn-cs"/>
+              </a:defRPr>
+            </a:lvl8pPr>
+            <a:lvl9pPr marL="1700000" indent="-228600" algn="l" defTabSz="914400" rtl="0" eaLnBrk="1" latinLnBrk="0" hangingPunct="1">
+              <a:lnSpc>
+                <a:spcPct val="90000"/>
+              </a:lnSpc>
+              <a:spcBef>
+                <a:spcPts val="200"/>
+              </a:spcBef>
+              <a:spcAft>
+                <a:spcPts val="400"/>
+              </a:spcAft>
+              <a:buClr>
+                <a:schemeClr val="accent1"/>
+              </a:buClr>
+              <a:buFont typeface="Calibri" pitchFamily="34" charset="0"/>
+              <a:buChar char="◦"/>
+              <a:defRPr kumimoji="1" sz="1400" kern="1200">
+                <a:solidFill>
+                  <a:schemeClr val="tx1">
+                    <a:lumMod val="75000"/>
+                    <a:lumOff val="25000"/>
+                  </a:schemeClr>
+                </a:solidFill>
+                <a:latin typeface="+mn-lt"/>
+                <a:ea typeface="+mn-ea"/>
+                <a:cs typeface="+mn-cs"/>
+              </a:defRPr>
+            </a:lvl9pPr>
+          </a:lstStyle>
+          <a:p>
+            <a:pPr marL="109728" indent="0">
+              <a:lnSpc>
+                <a:spcPct val="110000"/>
+              </a:lnSpc>
+              <a:buNone/>
+            </a:pPr>
+            <a:r>
+              <a:rPr lang="ja-JP" altLang="en-US" sz="3500" dirty="0"/>
+              <a:t>・要件</a:t>
+            </a:r>
+            <a:r>
+              <a:rPr lang="ja-JP" altLang="en-US" sz="3500" dirty="0" smtClean="0"/>
+              <a:t>定義書</a:t>
+            </a:r>
+            <a:endParaRPr lang="en-US" altLang="ja-JP" sz="3500" dirty="0" smtClean="0"/>
+          </a:p>
+          <a:p>
+            <a:pPr marL="109728" indent="0">
+              <a:lnSpc>
+                <a:spcPct val="110000"/>
+              </a:lnSpc>
+              <a:buNone/>
+            </a:pPr>
+            <a:endParaRPr lang="ja-JP" altLang="en-US" sz="1200" dirty="0"/>
+          </a:p>
+          <a:p>
+            <a:pPr marL="109728" indent="0">
+              <a:lnSpc>
+                <a:spcPct val="110000"/>
+              </a:lnSpc>
+              <a:buNone/>
+            </a:pPr>
+            <a:r>
+              <a:rPr lang="ja-JP" altLang="en-US" sz="3500" dirty="0"/>
+              <a:t>・</a:t>
+            </a:r>
+            <a:r>
+              <a:rPr lang="en-US" altLang="ja-JP" sz="3500" dirty="0"/>
+              <a:t>ER</a:t>
+            </a:r>
+            <a:r>
+              <a:rPr lang="ja-JP" altLang="en-US" sz="3500" dirty="0"/>
+              <a:t>図</a:t>
+            </a:r>
+          </a:p>
+          <a:p>
+            <a:pPr marL="109728" indent="0">
+              <a:lnSpc>
+                <a:spcPct val="110000"/>
+              </a:lnSpc>
+              <a:buNone/>
+            </a:pPr>
+            <a:r>
+              <a:rPr lang="ja-JP" altLang="en-US" sz="3500" dirty="0"/>
+              <a:t>・データフロー図</a:t>
+            </a:r>
+          </a:p>
+          <a:p>
+            <a:pPr marL="109728" indent="0">
+              <a:lnSpc>
+                <a:spcPct val="110000"/>
+              </a:lnSpc>
+              <a:buNone/>
+            </a:pPr>
+            <a:r>
+              <a:rPr lang="ja-JP" altLang="en-US" sz="3500" dirty="0"/>
+              <a:t>・</a:t>
+            </a:r>
+            <a:r>
+              <a:rPr lang="ja-JP" altLang="en-US" sz="3500" dirty="0" smtClean="0"/>
+              <a:t>ユースケース図</a:t>
+            </a:r>
+            <a:endParaRPr lang="ja-JP" altLang="en-US" sz="3500" dirty="0"/>
+          </a:p>
+        </p:txBody>
+      </p:sp>
+      <p:cxnSp>
+        <p:nvCxnSpPr>
+          <p:cNvPr id="10" name="直線コネクタ 9"/>
+          <p:cNvCxnSpPr/>
+          <p:nvPr/>
+        </p:nvCxnSpPr>
+        <p:spPr>
+          <a:xfrm>
+            <a:off x="354684" y="1124744"/>
+            <a:ext cx="8249764" cy="0"/>
+          </a:xfrm>
+          <a:prstGeom prst="line">
+            <a:avLst/>
+          </a:prstGeom>
+        </p:spPr>
+        <p:style>
+          <a:lnRef idx="1">
+            <a:schemeClr val="accent1"/>
+          </a:lnRef>
+          <a:fillRef idx="0">
+            <a:schemeClr val="accent1"/>
+          </a:fillRef>
+          <a:effectRef idx="0">
+            <a:schemeClr val="accent1"/>
+          </a:effectRef>
+          <a:fontRef idx="minor">
+            <a:schemeClr val="tx1"/>
+          </a:fontRef>
+        </p:style>
+      </p:cxnSp>
+      <p:sp>
+        <p:nvSpPr>
+          <p:cNvPr id="11" name="コンテンツ プレースホルダー 2"/>
+          <p:cNvSpPr txBox="1">
+            <a:spLocks/>
+          </p:cNvSpPr>
+          <p:nvPr/>
+        </p:nvSpPr>
+        <p:spPr>
+          <a:xfrm>
+            <a:off x="4690475" y="1193956"/>
+            <a:ext cx="3787468" cy="4058582"/>
+          </a:xfrm>
+          <a:prstGeom prst="rect">
+            <a:avLst/>
+          </a:prstGeom>
+        </p:spPr>
+        <p:txBody>
+          <a:bodyPr vert="horz" lIns="0" tIns="45720" rIns="0" bIns="45720" rtlCol="0">
+            <a:normAutofit/>
+          </a:bodyPr>
+          <a:lstStyle>
+            <a:lvl1pPr marL="91440" indent="-91440" algn="l" defTabSz="914400" rtl="0" eaLnBrk="1" latinLnBrk="0" hangingPunct="1">
+              <a:lnSpc>
+                <a:spcPct val="90000"/>
+              </a:lnSpc>
+              <a:spcBef>
+                <a:spcPts val="1200"/>
+              </a:spcBef>
+              <a:spcAft>
+                <a:spcPts val="200"/>
+              </a:spcAft>
+              <a:buClr>
+                <a:schemeClr val="accent1"/>
+              </a:buClr>
+              <a:buSzPct val="100000"/>
+              <a:buFont typeface="Calibri" panose="020F0502020204030204" pitchFamily="34" charset="0"/>
+              <a:buChar char=" "/>
+              <a:defRPr kumimoji="1" sz="2000" kern="1200">
+                <a:solidFill>
+                  <a:schemeClr val="tx1">
+                    <a:lumMod val="75000"/>
+                    <a:lumOff val="25000"/>
+                  </a:schemeClr>
+                </a:solidFill>
+                <a:latin typeface="+mn-lt"/>
+                <a:ea typeface="+mn-ea"/>
+                <a:cs typeface="+mn-cs"/>
+              </a:defRPr>
+            </a:lvl1pPr>
+            <a:lvl2pPr marL="384048" indent="-182880" algn="l" defTabSz="914400" rtl="0" eaLnBrk="1" latinLnBrk="0" hangingPunct="1">
+              <a:lnSpc>
+                <a:spcPct val="90000"/>
+              </a:lnSpc>
+              <a:spcBef>
+                <a:spcPts val="200"/>
+              </a:spcBef>
+              <a:spcAft>
+                <a:spcPts val="400"/>
+              </a:spcAft>
+              <a:buClr>
+                <a:schemeClr val="accent1"/>
+              </a:buClr>
+              <a:buFont typeface="Calibri" pitchFamily="34" charset="0"/>
+              <a:buChar char="◦"/>
+              <a:defRPr kumimoji="1" sz="1800" kern="1200">
+                <a:solidFill>
+                  <a:schemeClr val="tx1">
+                    <a:lumMod val="75000"/>
+                    <a:lumOff val="25000"/>
+                  </a:schemeClr>
+                </a:solidFill>
+                <a:latin typeface="+mn-lt"/>
+                <a:ea typeface="+mn-ea"/>
+                <a:cs typeface="+mn-cs"/>
+              </a:defRPr>
+            </a:lvl2pPr>
+            <a:lvl3pPr marL="566928" indent="-182880" algn="l" defTabSz="914400" rtl="0" eaLnBrk="1" latinLnBrk="0" hangingPunct="1">
+              <a:lnSpc>
+                <a:spcPct val="90000"/>
+              </a:lnSpc>
+              <a:spcBef>
+                <a:spcPts val="200"/>
+              </a:spcBef>
+              <a:spcAft>
+                <a:spcPts val="400"/>
+              </a:spcAft>
+              <a:buClr>
+                <a:schemeClr val="accent1"/>
+              </a:buClr>
+              <a:buFont typeface="Calibri" pitchFamily="34" charset="0"/>
+              <a:buChar char="◦"/>
+              <a:defRPr kumimoji="1" sz="1400" kern="1200">
+                <a:solidFill>
+                  <a:schemeClr val="tx1">
+                    <a:lumMod val="75000"/>
+                    <a:lumOff val="25000"/>
+                  </a:schemeClr>
+                </a:solidFill>
+                <a:latin typeface="+mn-lt"/>
+                <a:ea typeface="+mn-ea"/>
+                <a:cs typeface="+mn-cs"/>
+              </a:defRPr>
+            </a:lvl3pPr>
+            <a:lvl4pPr marL="749808" indent="-182880" algn="l" defTabSz="914400" rtl="0" eaLnBrk="1" latinLnBrk="0" hangingPunct="1">
+              <a:lnSpc>
+                <a:spcPct val="90000"/>
+              </a:lnSpc>
+              <a:spcBef>
+                <a:spcPts val="200"/>
+              </a:spcBef>
+              <a:spcAft>
+                <a:spcPts val="400"/>
+              </a:spcAft>
+              <a:buClr>
+                <a:schemeClr val="accent1"/>
+              </a:buClr>
+              <a:buFont typeface="Calibri" pitchFamily="34" charset="0"/>
+              <a:buChar char="◦"/>
+              <a:defRPr kumimoji="1" sz="1400" kern="1200">
+                <a:solidFill>
+                  <a:schemeClr val="tx1">
+                    <a:lumMod val="75000"/>
+                    <a:lumOff val="25000"/>
+                  </a:schemeClr>
+                </a:solidFill>
+                <a:latin typeface="+mn-lt"/>
+                <a:ea typeface="+mn-ea"/>
+                <a:cs typeface="+mn-cs"/>
+              </a:defRPr>
+            </a:lvl4pPr>
+            <a:lvl5pPr marL="932688" indent="-182880" algn="l" defTabSz="914400" rtl="0" eaLnBrk="1" latinLnBrk="0" hangingPunct="1">
+              <a:lnSpc>
+                <a:spcPct val="90000"/>
+              </a:lnSpc>
+              <a:spcBef>
+                <a:spcPts val="200"/>
+              </a:spcBef>
+              <a:spcAft>
+                <a:spcPts val="400"/>
+              </a:spcAft>
+              <a:buClr>
+                <a:schemeClr val="accent1"/>
+              </a:buClr>
+              <a:buFont typeface="Calibri" pitchFamily="34" charset="0"/>
+              <a:buChar char="◦"/>
+              <a:defRPr kumimoji="1" sz="1400" kern="1200">
+                <a:solidFill>
+                  <a:schemeClr val="tx1">
+                    <a:lumMod val="75000"/>
+                    <a:lumOff val="25000"/>
+                  </a:schemeClr>
+                </a:solidFill>
+                <a:latin typeface="+mn-lt"/>
+                <a:ea typeface="+mn-ea"/>
+                <a:cs typeface="+mn-cs"/>
+              </a:defRPr>
+            </a:lvl5pPr>
+            <a:lvl6pPr marL="1100000" indent="-228600" algn="l" defTabSz="914400" rtl="0" eaLnBrk="1" latinLnBrk="0" hangingPunct="1">
+              <a:lnSpc>
+                <a:spcPct val="90000"/>
+              </a:lnSpc>
+              <a:spcBef>
+                <a:spcPts val="200"/>
+              </a:spcBef>
+              <a:spcAft>
+                <a:spcPts val="400"/>
+              </a:spcAft>
+              <a:buClr>
+                <a:schemeClr val="accent1"/>
+              </a:buClr>
+              <a:buFont typeface="Calibri" pitchFamily="34" charset="0"/>
+              <a:buChar char="◦"/>
+              <a:defRPr kumimoji="1" sz="1400" kern="1200">
+                <a:solidFill>
+                  <a:schemeClr val="tx1">
+                    <a:lumMod val="75000"/>
+                    <a:lumOff val="25000"/>
+                  </a:schemeClr>
+                </a:solidFill>
+                <a:latin typeface="+mn-lt"/>
+                <a:ea typeface="+mn-ea"/>
+                <a:cs typeface="+mn-cs"/>
+              </a:defRPr>
+            </a:lvl6pPr>
+            <a:lvl7pPr marL="1300000" indent="-228600" algn="l" defTabSz="914400" rtl="0" eaLnBrk="1" latinLnBrk="0" hangingPunct="1">
+              <a:lnSpc>
+                <a:spcPct val="90000"/>
+              </a:lnSpc>
+              <a:spcBef>
+                <a:spcPts val="200"/>
+              </a:spcBef>
+              <a:spcAft>
+                <a:spcPts val="400"/>
+              </a:spcAft>
+              <a:buClr>
+                <a:schemeClr val="accent1"/>
+              </a:buClr>
+              <a:buFont typeface="Calibri" pitchFamily="34" charset="0"/>
+              <a:buChar char="◦"/>
+              <a:defRPr kumimoji="1" sz="1400" kern="1200">
+                <a:solidFill>
+                  <a:schemeClr val="tx1">
+                    <a:lumMod val="75000"/>
+                    <a:lumOff val="25000"/>
+                  </a:schemeClr>
+                </a:solidFill>
+                <a:latin typeface="+mn-lt"/>
+                <a:ea typeface="+mn-ea"/>
+                <a:cs typeface="+mn-cs"/>
+              </a:defRPr>
+            </a:lvl7pPr>
+            <a:lvl8pPr marL="1500000" indent="-228600" algn="l" defTabSz="914400" rtl="0" eaLnBrk="1" latinLnBrk="0" hangingPunct="1">
+              <a:lnSpc>
+                <a:spcPct val="90000"/>
+              </a:lnSpc>
+              <a:spcBef>
+                <a:spcPts val="200"/>
+              </a:spcBef>
+              <a:spcAft>
+                <a:spcPts val="400"/>
+              </a:spcAft>
+              <a:buClr>
+                <a:schemeClr val="accent1"/>
+              </a:buClr>
+              <a:buFont typeface="Calibri" pitchFamily="34" charset="0"/>
+              <a:buChar char="◦"/>
+              <a:defRPr kumimoji="1" sz="1400" kern="1200">
+                <a:solidFill>
+                  <a:schemeClr val="tx1">
+                    <a:lumMod val="75000"/>
+                    <a:lumOff val="25000"/>
+                  </a:schemeClr>
+                </a:solidFill>
+                <a:latin typeface="+mn-lt"/>
+                <a:ea typeface="+mn-ea"/>
+                <a:cs typeface="+mn-cs"/>
+              </a:defRPr>
+            </a:lvl8pPr>
+            <a:lvl9pPr marL="1700000" indent="-228600" algn="l" defTabSz="914400" rtl="0" eaLnBrk="1" latinLnBrk="0" hangingPunct="1">
+              <a:lnSpc>
+                <a:spcPct val="90000"/>
+              </a:lnSpc>
+              <a:spcBef>
+                <a:spcPts val="200"/>
+              </a:spcBef>
+              <a:spcAft>
+                <a:spcPts val="400"/>
+              </a:spcAft>
+              <a:buClr>
+                <a:schemeClr val="accent1"/>
+              </a:buClr>
+              <a:buFont typeface="Calibri" pitchFamily="34" charset="0"/>
+              <a:buChar char="◦"/>
+              <a:defRPr kumimoji="1" sz="1400" kern="1200">
+                <a:solidFill>
+                  <a:schemeClr val="tx1">
+                    <a:lumMod val="75000"/>
+                    <a:lumOff val="25000"/>
+                  </a:schemeClr>
+                </a:solidFill>
+                <a:latin typeface="+mn-lt"/>
+                <a:ea typeface="+mn-ea"/>
+                <a:cs typeface="+mn-cs"/>
+              </a:defRPr>
+            </a:lvl9pPr>
+          </a:lstStyle>
+          <a:p>
+            <a:pPr marL="109728" indent="0">
+              <a:lnSpc>
+                <a:spcPct val="110000"/>
+              </a:lnSpc>
+              <a:buNone/>
+            </a:pPr>
+            <a:r>
+              <a:rPr lang="ja-JP" altLang="en-US" sz="3500" dirty="0"/>
+              <a:t>・画面設計図</a:t>
+            </a:r>
+          </a:p>
+          <a:p>
+            <a:pPr marL="109728" indent="0">
+              <a:lnSpc>
+                <a:spcPct val="110000"/>
+              </a:lnSpc>
+              <a:buNone/>
+            </a:pPr>
+            <a:r>
+              <a:rPr lang="ja-JP" altLang="en-US" sz="3500" dirty="0"/>
+              <a:t>・画面遷移図</a:t>
+            </a:r>
+          </a:p>
+          <a:p>
+            <a:pPr marL="109728" indent="0">
+              <a:lnSpc>
+                <a:spcPct val="110000"/>
+              </a:lnSpc>
+              <a:buNone/>
+            </a:pPr>
+            <a:r>
+              <a:rPr lang="ja-JP" altLang="en-US" sz="3500" dirty="0"/>
+              <a:t>・外部設計仕様書</a:t>
+            </a:r>
+          </a:p>
+          <a:p>
+            <a:pPr marL="109728" indent="0">
+              <a:lnSpc>
+                <a:spcPct val="110000"/>
+              </a:lnSpc>
+              <a:buNone/>
+            </a:pPr>
+            <a:r>
+              <a:rPr lang="ja-JP" altLang="en-US" sz="3500" dirty="0"/>
+              <a:t>・状態遷移図</a:t>
+            </a:r>
+          </a:p>
+          <a:p>
+            <a:pPr marL="109728" indent="0">
+              <a:lnSpc>
+                <a:spcPct val="110000"/>
+              </a:lnSpc>
+              <a:buNone/>
+            </a:pPr>
+            <a:r>
+              <a:rPr lang="ja-JP" altLang="en-US" sz="3500" dirty="0"/>
+              <a:t>・内部設計仕様書</a:t>
+            </a:r>
+            <a:endParaRPr lang="ja-JP" altLang="en-US" sz="3200" dirty="0"/>
+          </a:p>
+        </p:txBody>
+      </p:sp>
+      <p:sp>
+        <p:nvSpPr>
+          <p:cNvPr id="12" name="コンテンツ プレースホルダー 2"/>
+          <p:cNvSpPr txBox="1">
+            <a:spLocks/>
+          </p:cNvSpPr>
+          <p:nvPr/>
+        </p:nvSpPr>
+        <p:spPr>
+          <a:xfrm>
+            <a:off x="544666" y="5157192"/>
+            <a:ext cx="8769619" cy="957333"/>
+          </a:xfrm>
+          <a:prstGeom prst="rect">
+            <a:avLst/>
+          </a:prstGeom>
+        </p:spPr>
+        <p:txBody>
+          <a:bodyPr vert="horz" lIns="0" tIns="45720" rIns="0" bIns="45720" rtlCol="0">
+            <a:normAutofit fontScale="85000" lnSpcReduction="20000"/>
+          </a:bodyPr>
+          <a:lstStyle>
+            <a:lvl1pPr marL="91440" indent="-91440" algn="l" defTabSz="914400" rtl="0" eaLnBrk="1" latinLnBrk="0" hangingPunct="1">
+              <a:lnSpc>
+                <a:spcPct val="90000"/>
+              </a:lnSpc>
+              <a:spcBef>
+                <a:spcPts val="1200"/>
+              </a:spcBef>
+              <a:spcAft>
+                <a:spcPts val="200"/>
+              </a:spcAft>
+              <a:buClr>
+                <a:schemeClr val="accent1"/>
+              </a:buClr>
+              <a:buSzPct val="100000"/>
+              <a:buFont typeface="Calibri" panose="020F0502020204030204" pitchFamily="34" charset="0"/>
+              <a:buChar char=" "/>
+              <a:defRPr kumimoji="1" sz="2000" kern="1200">
+                <a:solidFill>
+                  <a:schemeClr val="tx1">
+                    <a:lumMod val="75000"/>
+                    <a:lumOff val="25000"/>
+                  </a:schemeClr>
+                </a:solidFill>
+                <a:latin typeface="+mn-lt"/>
+                <a:ea typeface="+mn-ea"/>
+                <a:cs typeface="+mn-cs"/>
+              </a:defRPr>
+            </a:lvl1pPr>
+            <a:lvl2pPr marL="384048" indent="-182880" algn="l" defTabSz="914400" rtl="0" eaLnBrk="1" latinLnBrk="0" hangingPunct="1">
+              <a:lnSpc>
+                <a:spcPct val="90000"/>
+              </a:lnSpc>
+              <a:spcBef>
+                <a:spcPts val="200"/>
+              </a:spcBef>
+              <a:spcAft>
+                <a:spcPts val="400"/>
+              </a:spcAft>
+              <a:buClr>
+                <a:schemeClr val="accent1"/>
+              </a:buClr>
+              <a:buFont typeface="Calibri" pitchFamily="34" charset="0"/>
+              <a:buChar char="◦"/>
+              <a:defRPr kumimoji="1" sz="1800" kern="1200">
+                <a:solidFill>
+                  <a:schemeClr val="tx1">
+                    <a:lumMod val="75000"/>
+                    <a:lumOff val="25000"/>
+                  </a:schemeClr>
+                </a:solidFill>
+                <a:latin typeface="+mn-lt"/>
+                <a:ea typeface="+mn-ea"/>
+                <a:cs typeface="+mn-cs"/>
+              </a:defRPr>
+            </a:lvl2pPr>
+            <a:lvl3pPr marL="566928" indent="-182880" algn="l" defTabSz="914400" rtl="0" eaLnBrk="1" latinLnBrk="0" hangingPunct="1">
+              <a:lnSpc>
+                <a:spcPct val="90000"/>
+              </a:lnSpc>
+              <a:spcBef>
+                <a:spcPts val="200"/>
+              </a:spcBef>
+              <a:spcAft>
+                <a:spcPts val="400"/>
+              </a:spcAft>
+              <a:buClr>
+                <a:schemeClr val="accent1"/>
+              </a:buClr>
+              <a:buFont typeface="Calibri" pitchFamily="34" charset="0"/>
+              <a:buChar char="◦"/>
+              <a:defRPr kumimoji="1" sz="1400" kern="1200">
+                <a:solidFill>
+                  <a:schemeClr val="tx1">
+                    <a:lumMod val="75000"/>
+                    <a:lumOff val="25000"/>
+                  </a:schemeClr>
+                </a:solidFill>
+                <a:latin typeface="+mn-lt"/>
+                <a:ea typeface="+mn-ea"/>
+                <a:cs typeface="+mn-cs"/>
+              </a:defRPr>
+            </a:lvl3pPr>
+            <a:lvl4pPr marL="749808" indent="-182880" algn="l" defTabSz="914400" rtl="0" eaLnBrk="1" latinLnBrk="0" hangingPunct="1">
+              <a:lnSpc>
+                <a:spcPct val="90000"/>
+              </a:lnSpc>
+              <a:spcBef>
+                <a:spcPts val="200"/>
+              </a:spcBef>
+              <a:spcAft>
+                <a:spcPts val="400"/>
+              </a:spcAft>
+              <a:buClr>
+                <a:schemeClr val="accent1"/>
+              </a:buClr>
+              <a:buFont typeface="Calibri" pitchFamily="34" charset="0"/>
+              <a:buChar char="◦"/>
+              <a:defRPr kumimoji="1" sz="1400" kern="1200">
+                <a:solidFill>
+                  <a:schemeClr val="tx1">
+                    <a:lumMod val="75000"/>
+                    <a:lumOff val="25000"/>
+                  </a:schemeClr>
+                </a:solidFill>
+                <a:latin typeface="+mn-lt"/>
+                <a:ea typeface="+mn-ea"/>
+                <a:cs typeface="+mn-cs"/>
+              </a:defRPr>
+            </a:lvl4pPr>
+            <a:lvl5pPr marL="932688" indent="-182880" algn="l" defTabSz="914400" rtl="0" eaLnBrk="1" latinLnBrk="0" hangingPunct="1">
+              <a:lnSpc>
+                <a:spcPct val="90000"/>
+              </a:lnSpc>
+              <a:spcBef>
+                <a:spcPts val="200"/>
+              </a:spcBef>
+              <a:spcAft>
+                <a:spcPts val="400"/>
+              </a:spcAft>
+              <a:buClr>
+                <a:schemeClr val="accent1"/>
+              </a:buClr>
+              <a:buFont typeface="Calibri" pitchFamily="34" charset="0"/>
+              <a:buChar char="◦"/>
+              <a:defRPr kumimoji="1" sz="1400" kern="1200">
+                <a:solidFill>
+                  <a:schemeClr val="tx1">
+                    <a:lumMod val="75000"/>
+                    <a:lumOff val="25000"/>
+                  </a:schemeClr>
+                </a:solidFill>
+                <a:latin typeface="+mn-lt"/>
+                <a:ea typeface="+mn-ea"/>
+                <a:cs typeface="+mn-cs"/>
+              </a:defRPr>
+            </a:lvl5pPr>
+            <a:lvl6pPr marL="1100000" indent="-228600" algn="l" defTabSz="914400" rtl="0" eaLnBrk="1" latinLnBrk="0" hangingPunct="1">
+              <a:lnSpc>
+                <a:spcPct val="90000"/>
+              </a:lnSpc>
+              <a:spcBef>
+                <a:spcPts val="200"/>
+              </a:spcBef>
+              <a:spcAft>
+                <a:spcPts val="400"/>
+              </a:spcAft>
+              <a:buClr>
+                <a:schemeClr val="accent1"/>
+              </a:buClr>
+              <a:buFont typeface="Calibri" pitchFamily="34" charset="0"/>
+              <a:buChar char="◦"/>
+              <a:defRPr kumimoji="1" sz="1400" kern="1200">
+                <a:solidFill>
+                  <a:schemeClr val="tx1">
+                    <a:lumMod val="75000"/>
+                    <a:lumOff val="25000"/>
+                  </a:schemeClr>
+                </a:solidFill>
+                <a:latin typeface="+mn-lt"/>
+                <a:ea typeface="+mn-ea"/>
+                <a:cs typeface="+mn-cs"/>
+              </a:defRPr>
+            </a:lvl6pPr>
+            <a:lvl7pPr marL="1300000" indent="-228600" algn="l" defTabSz="914400" rtl="0" eaLnBrk="1" latinLnBrk="0" hangingPunct="1">
+              <a:lnSpc>
+                <a:spcPct val="90000"/>
+              </a:lnSpc>
+              <a:spcBef>
+                <a:spcPts val="200"/>
+              </a:spcBef>
+              <a:spcAft>
+                <a:spcPts val="400"/>
+              </a:spcAft>
+              <a:buClr>
+                <a:schemeClr val="accent1"/>
+              </a:buClr>
+              <a:buFont typeface="Calibri" pitchFamily="34" charset="0"/>
+              <a:buChar char="◦"/>
+              <a:defRPr kumimoji="1" sz="1400" kern="1200">
+                <a:solidFill>
+                  <a:schemeClr val="tx1">
+                    <a:lumMod val="75000"/>
+                    <a:lumOff val="25000"/>
+                  </a:schemeClr>
+                </a:solidFill>
+                <a:latin typeface="+mn-lt"/>
+                <a:ea typeface="+mn-ea"/>
+                <a:cs typeface="+mn-cs"/>
+              </a:defRPr>
+            </a:lvl7pPr>
+            <a:lvl8pPr marL="1500000" indent="-228600" algn="l" defTabSz="914400" rtl="0" eaLnBrk="1" latinLnBrk="0" hangingPunct="1">
+              <a:lnSpc>
+                <a:spcPct val="90000"/>
+              </a:lnSpc>
+              <a:spcBef>
+                <a:spcPts val="200"/>
+              </a:spcBef>
+              <a:spcAft>
+                <a:spcPts val="400"/>
+              </a:spcAft>
+              <a:buClr>
+                <a:schemeClr val="accent1"/>
+              </a:buClr>
+              <a:buFont typeface="Calibri" pitchFamily="34" charset="0"/>
+              <a:buChar char="◦"/>
+              <a:defRPr kumimoji="1" sz="1400" kern="1200">
+                <a:solidFill>
+                  <a:schemeClr val="tx1">
+                    <a:lumMod val="75000"/>
+                    <a:lumOff val="25000"/>
+                  </a:schemeClr>
+                </a:solidFill>
+                <a:latin typeface="+mn-lt"/>
+                <a:ea typeface="+mn-ea"/>
+                <a:cs typeface="+mn-cs"/>
+              </a:defRPr>
+            </a:lvl8pPr>
+            <a:lvl9pPr marL="1700000" indent="-228600" algn="l" defTabSz="914400" rtl="0" eaLnBrk="1" latinLnBrk="0" hangingPunct="1">
+              <a:lnSpc>
+                <a:spcPct val="90000"/>
+              </a:lnSpc>
+              <a:spcBef>
+                <a:spcPts val="200"/>
+              </a:spcBef>
+              <a:spcAft>
+                <a:spcPts val="400"/>
+              </a:spcAft>
+              <a:buClr>
+                <a:schemeClr val="accent1"/>
+              </a:buClr>
+              <a:buFont typeface="Calibri" pitchFamily="34" charset="0"/>
+              <a:buChar char="◦"/>
+              <a:defRPr kumimoji="1" sz="1400" kern="1200">
+                <a:solidFill>
+                  <a:schemeClr val="tx1">
+                    <a:lumMod val="75000"/>
+                    <a:lumOff val="25000"/>
+                  </a:schemeClr>
+                </a:solidFill>
+                <a:latin typeface="+mn-lt"/>
+                <a:ea typeface="+mn-ea"/>
+                <a:cs typeface="+mn-cs"/>
+              </a:defRPr>
+            </a:lvl9pPr>
+          </a:lstStyle>
+          <a:p>
+            <a:pPr marL="109728" indent="0">
+              <a:lnSpc>
+                <a:spcPct val="110000"/>
+              </a:lnSpc>
+              <a:buFont typeface="Calibri" panose="020F0502020204030204" pitchFamily="34" charset="0"/>
+              <a:buNone/>
+            </a:pPr>
+            <a:r>
+              <a:rPr lang="en-US" altLang="ja-JP" sz="3500" dirty="0" smtClean="0"/>
+              <a:t>※</a:t>
+            </a:r>
+            <a:r>
+              <a:rPr lang="ja-JP" altLang="en-US" sz="3500" dirty="0" smtClean="0"/>
+              <a:t>今回のプロジェクトはスパイラルモデルのため</a:t>
+            </a:r>
+            <a:r>
+              <a:rPr lang="en-US" altLang="ja-JP" sz="3500" dirty="0" smtClean="0"/>
+              <a:t/>
+            </a:r>
+            <a:br>
+              <a:rPr lang="en-US" altLang="ja-JP" sz="3500" dirty="0" smtClean="0"/>
+            </a:br>
+            <a:r>
+              <a:rPr lang="ja-JP" altLang="en-US" sz="3500" dirty="0" smtClean="0"/>
+              <a:t>　設計書をできる限り作成しています。</a:t>
+            </a:r>
+            <a:endParaRPr lang="ja-JP" altLang="en-US" sz="3200" dirty="0"/>
+          </a:p>
+        </p:txBody>
+      </p:sp>
+    </p:spTree>
+    <p:extLst>
+      <p:ext uri="{BB962C8B-B14F-4D97-AF65-F5344CB8AC3E}">
+        <p14:creationId xmlns:p14="http://schemas.microsoft.com/office/powerpoint/2010/main" val="924328903"/>
+      </p:ext>
+    </p:extLst>
+  </p:cSld>
+  <p:clrMapOvr>
+    <a:masterClrMapping/>
+  </p:clrMapOvr>
+  <p:timing>
+    <p:tnLst>
+      <p:par>
+        <p:cTn id="1" dur="indefinite" restart="never" nodeType="tmRoot"/>
+      </p:par>
+    </p:tnLst>
+  </p:timing>
+</p:sld>
+</file>
+
+<file path=ppt/slides/slide3.xml><?xml version="1.0" encoding="utf-8"?>
+<p:sld xmlns:a="http://schemas.openxmlformats.org/drawingml/2006/main" xmlns:r="http://schemas.openxmlformats.org/officeDocument/2006/relationships" xmlns:p="http://schemas.openxmlformats.org/presentationml/2006/main">
+  <p:cSld>
+    <p:spTree>
+      <p:nvGrpSpPr>
+        <p:cNvPr id="1" name=""/>
+        <p:cNvGrpSpPr/>
+        <p:nvPr/>
+      </p:nvGrpSpPr>
+      <p:grpSpPr>
+        <a:xfrm>
+          <a:off x="0" y="0"/>
+          <a:ext cx="0" cy="0"/>
+          <a:chOff x="0" y="0"/>
+          <a:chExt cx="0" cy="0"/>
+        </a:xfrm>
+      </p:grpSpPr>
+      <p:sp>
+        <p:nvSpPr>
+          <p:cNvPr id="2" name="タイトル 1"/>
+          <p:cNvSpPr>
+            <a:spLocks noGrp="1"/>
+          </p:cNvSpPr>
+          <p:nvPr>
+            <p:ph type="title"/>
+          </p:nvPr>
+        </p:nvSpPr>
+        <p:spPr>
+          <a:xfrm>
+            <a:off x="354684" y="348118"/>
+            <a:ext cx="4721372" cy="848634"/>
+          </a:xfrm>
+        </p:spPr>
+        <p:txBody>
+          <a:bodyPr>
+            <a:normAutofit/>
+          </a:bodyPr>
+          <a:lstStyle/>
+          <a:p>
+            <a:r>
               <a:rPr lang="ja-JP" altLang="en-US" sz="4800" dirty="0" smtClean="0"/>
               <a:t>システムの概要</a:t>
             </a:r>
@@ -4816,7 +6188,7 @@
           <a:p>
             <a:fld id="{844D5AC9-94A7-43D1-943D-A48FDE10BE50}" type="slidenum">
               <a:rPr kumimoji="1" lang="ja-JP" altLang="en-US" smtClean="0"/>
-              <a:t>2</a:t>
+              <a:t>3</a:t>
             </a:fld>
             <a:endParaRPr kumimoji="1" lang="ja-JP" altLang="en-US" dirty="0"/>
           </a:p>
@@ -5996,1378 +7368,6 @@
     <p:extLst>
       <p:ext uri="{BB962C8B-B14F-4D97-AF65-F5344CB8AC3E}">
         <p14:creationId xmlns:p14="http://schemas.microsoft.com/office/powerpoint/2010/main" val="2831841685"/>
-      </p:ext>
-    </p:extLst>
-  </p:cSld>
-  <p:clrMapOvr>
-    <a:masterClrMapping/>
-  </p:clrMapOvr>
-  <p:timing>
-    <p:tnLst>
-      <p:par>
-        <p:cTn id="1" dur="indefinite" restart="never" nodeType="tmRoot"/>
-      </p:par>
-    </p:tnLst>
-  </p:timing>
-</p:sld>
-</file>
-
-<file path=ppt/slides/slide3.xml><?xml version="1.0" encoding="utf-8"?>
-<p:sld xmlns:a="http://schemas.openxmlformats.org/drawingml/2006/main" xmlns:r="http://schemas.openxmlformats.org/officeDocument/2006/relationships" xmlns:p="http://schemas.openxmlformats.org/presentationml/2006/main">
-  <p:cSld>
-    <p:spTree>
-      <p:nvGrpSpPr>
-        <p:cNvPr id="1" name=""/>
-        <p:cNvGrpSpPr/>
-        <p:nvPr/>
-      </p:nvGrpSpPr>
-      <p:grpSpPr>
-        <a:xfrm>
-          <a:off x="0" y="0"/>
-          <a:ext cx="0" cy="0"/>
-          <a:chOff x="0" y="0"/>
-          <a:chExt cx="0" cy="0"/>
-        </a:xfrm>
-      </p:grpSpPr>
-      <p:sp>
-        <p:nvSpPr>
-          <p:cNvPr id="2" name="タイトル 1"/>
-          <p:cNvSpPr>
-            <a:spLocks noGrp="1"/>
-          </p:cNvSpPr>
-          <p:nvPr>
-            <p:ph type="title"/>
-          </p:nvPr>
-        </p:nvSpPr>
-        <p:spPr>
-          <a:xfrm>
-            <a:off x="354684" y="348118"/>
-            <a:ext cx="4721372" cy="848634"/>
-          </a:xfrm>
-        </p:spPr>
-        <p:txBody>
-          <a:bodyPr>
-            <a:normAutofit/>
-          </a:bodyPr>
-          <a:lstStyle/>
-          <a:p>
-            <a:r>
-              <a:rPr lang="ja-JP" altLang="en-US" dirty="0" smtClean="0"/>
-              <a:t>設計仕様書</a:t>
-            </a:r>
-            <a:endParaRPr kumimoji="1" lang="ja-JP" altLang="en-US" sz="4800" dirty="0"/>
-          </a:p>
-        </p:txBody>
-      </p:sp>
-      <p:sp>
-        <p:nvSpPr>
-          <p:cNvPr id="4" name="スライド番号プレースホルダー 3"/>
-          <p:cNvSpPr>
-            <a:spLocks noGrp="1"/>
-          </p:cNvSpPr>
-          <p:nvPr>
-            <p:ph type="sldNum" sz="quarter" idx="12"/>
-          </p:nvPr>
-        </p:nvSpPr>
-        <p:spPr/>
-        <p:txBody>
-          <a:bodyPr/>
-          <a:lstStyle/>
-          <a:p>
-            <a:fld id="{844D5AC9-94A7-43D1-943D-A48FDE10BE50}" type="slidenum">
-              <a:rPr kumimoji="1" lang="ja-JP" altLang="en-US" smtClean="0"/>
-              <a:t>3</a:t>
-            </a:fld>
-            <a:endParaRPr kumimoji="1" lang="ja-JP" altLang="en-US" dirty="0"/>
-          </a:p>
-        </p:txBody>
-      </p:sp>
-      <p:sp>
-        <p:nvSpPr>
-          <p:cNvPr id="5" name="コンテンツ プレースホルダー 2"/>
-          <p:cNvSpPr txBox="1">
-            <a:spLocks/>
-          </p:cNvSpPr>
-          <p:nvPr/>
-        </p:nvSpPr>
-        <p:spPr>
-          <a:xfrm>
-            <a:off x="4844675" y="682024"/>
-            <a:ext cx="4104456" cy="442720"/>
-          </a:xfrm>
-          <a:prstGeom prst="rect">
-            <a:avLst/>
-          </a:prstGeom>
-        </p:spPr>
-        <p:txBody>
-          <a:bodyPr vert="horz" lIns="0" tIns="45720" rIns="0" bIns="45720" rtlCol="0">
-            <a:normAutofit lnSpcReduction="10000"/>
-          </a:bodyPr>
-          <a:lstStyle>
-            <a:lvl1pPr marL="91440" indent="-91440" algn="l" defTabSz="914400" rtl="0" eaLnBrk="1" latinLnBrk="0" hangingPunct="1">
-              <a:lnSpc>
-                <a:spcPct val="90000"/>
-              </a:lnSpc>
-              <a:spcBef>
-                <a:spcPts val="1200"/>
-              </a:spcBef>
-              <a:spcAft>
-                <a:spcPts val="200"/>
-              </a:spcAft>
-              <a:buClr>
-                <a:schemeClr val="accent1"/>
-              </a:buClr>
-              <a:buSzPct val="100000"/>
-              <a:buFont typeface="Calibri" panose="020F0502020204030204" pitchFamily="34" charset="0"/>
-              <a:buChar char=" "/>
-              <a:defRPr kumimoji="1" sz="2000" kern="1200">
-                <a:solidFill>
-                  <a:schemeClr val="tx1">
-                    <a:lumMod val="75000"/>
-                    <a:lumOff val="25000"/>
-                  </a:schemeClr>
-                </a:solidFill>
-                <a:latin typeface="+mn-lt"/>
-                <a:ea typeface="+mn-ea"/>
-                <a:cs typeface="+mn-cs"/>
-              </a:defRPr>
-            </a:lvl1pPr>
-            <a:lvl2pPr marL="384048" indent="-182880" algn="l" defTabSz="914400" rtl="0" eaLnBrk="1" latinLnBrk="0" hangingPunct="1">
-              <a:lnSpc>
-                <a:spcPct val="90000"/>
-              </a:lnSpc>
-              <a:spcBef>
-                <a:spcPts val="200"/>
-              </a:spcBef>
-              <a:spcAft>
-                <a:spcPts val="400"/>
-              </a:spcAft>
-              <a:buClr>
-                <a:schemeClr val="accent1"/>
-              </a:buClr>
-              <a:buFont typeface="Calibri" pitchFamily="34" charset="0"/>
-              <a:buChar char="◦"/>
-              <a:defRPr kumimoji="1" sz="1800" kern="1200">
-                <a:solidFill>
-                  <a:schemeClr val="tx1">
-                    <a:lumMod val="75000"/>
-                    <a:lumOff val="25000"/>
-                  </a:schemeClr>
-                </a:solidFill>
-                <a:latin typeface="+mn-lt"/>
-                <a:ea typeface="+mn-ea"/>
-                <a:cs typeface="+mn-cs"/>
-              </a:defRPr>
-            </a:lvl2pPr>
-            <a:lvl3pPr marL="566928" indent="-182880" algn="l" defTabSz="914400" rtl="0" eaLnBrk="1" latinLnBrk="0" hangingPunct="1">
-              <a:lnSpc>
-                <a:spcPct val="90000"/>
-              </a:lnSpc>
-              <a:spcBef>
-                <a:spcPts val="200"/>
-              </a:spcBef>
-              <a:spcAft>
-                <a:spcPts val="400"/>
-              </a:spcAft>
-              <a:buClr>
-                <a:schemeClr val="accent1"/>
-              </a:buClr>
-              <a:buFont typeface="Calibri" pitchFamily="34" charset="0"/>
-              <a:buChar char="◦"/>
-              <a:defRPr kumimoji="1" sz="1400" kern="1200">
-                <a:solidFill>
-                  <a:schemeClr val="tx1">
-                    <a:lumMod val="75000"/>
-                    <a:lumOff val="25000"/>
-                  </a:schemeClr>
-                </a:solidFill>
-                <a:latin typeface="+mn-lt"/>
-                <a:ea typeface="+mn-ea"/>
-                <a:cs typeface="+mn-cs"/>
-              </a:defRPr>
-            </a:lvl3pPr>
-            <a:lvl4pPr marL="749808" indent="-182880" algn="l" defTabSz="914400" rtl="0" eaLnBrk="1" latinLnBrk="0" hangingPunct="1">
-              <a:lnSpc>
-                <a:spcPct val="90000"/>
-              </a:lnSpc>
-              <a:spcBef>
-                <a:spcPts val="200"/>
-              </a:spcBef>
-              <a:spcAft>
-                <a:spcPts val="400"/>
-              </a:spcAft>
-              <a:buClr>
-                <a:schemeClr val="accent1"/>
-              </a:buClr>
-              <a:buFont typeface="Calibri" pitchFamily="34" charset="0"/>
-              <a:buChar char="◦"/>
-              <a:defRPr kumimoji="1" sz="1400" kern="1200">
-                <a:solidFill>
-                  <a:schemeClr val="tx1">
-                    <a:lumMod val="75000"/>
-                    <a:lumOff val="25000"/>
-                  </a:schemeClr>
-                </a:solidFill>
-                <a:latin typeface="+mn-lt"/>
-                <a:ea typeface="+mn-ea"/>
-                <a:cs typeface="+mn-cs"/>
-              </a:defRPr>
-            </a:lvl4pPr>
-            <a:lvl5pPr marL="932688" indent="-182880" algn="l" defTabSz="914400" rtl="0" eaLnBrk="1" latinLnBrk="0" hangingPunct="1">
-              <a:lnSpc>
-                <a:spcPct val="90000"/>
-              </a:lnSpc>
-              <a:spcBef>
-                <a:spcPts val="200"/>
-              </a:spcBef>
-              <a:spcAft>
-                <a:spcPts val="400"/>
-              </a:spcAft>
-              <a:buClr>
-                <a:schemeClr val="accent1"/>
-              </a:buClr>
-              <a:buFont typeface="Calibri" pitchFamily="34" charset="0"/>
-              <a:buChar char="◦"/>
-              <a:defRPr kumimoji="1" sz="1400" kern="1200">
-                <a:solidFill>
-                  <a:schemeClr val="tx1">
-                    <a:lumMod val="75000"/>
-                    <a:lumOff val="25000"/>
-                  </a:schemeClr>
-                </a:solidFill>
-                <a:latin typeface="+mn-lt"/>
-                <a:ea typeface="+mn-ea"/>
-                <a:cs typeface="+mn-cs"/>
-              </a:defRPr>
-            </a:lvl5pPr>
-            <a:lvl6pPr marL="1100000" indent="-228600" algn="l" defTabSz="914400" rtl="0" eaLnBrk="1" latinLnBrk="0" hangingPunct="1">
-              <a:lnSpc>
-                <a:spcPct val="90000"/>
-              </a:lnSpc>
-              <a:spcBef>
-                <a:spcPts val="200"/>
-              </a:spcBef>
-              <a:spcAft>
-                <a:spcPts val="400"/>
-              </a:spcAft>
-              <a:buClr>
-                <a:schemeClr val="accent1"/>
-              </a:buClr>
-              <a:buFont typeface="Calibri" pitchFamily="34" charset="0"/>
-              <a:buChar char="◦"/>
-              <a:defRPr kumimoji="1" sz="1400" kern="1200">
-                <a:solidFill>
-                  <a:schemeClr val="tx1">
-                    <a:lumMod val="75000"/>
-                    <a:lumOff val="25000"/>
-                  </a:schemeClr>
-                </a:solidFill>
-                <a:latin typeface="+mn-lt"/>
-                <a:ea typeface="+mn-ea"/>
-                <a:cs typeface="+mn-cs"/>
-              </a:defRPr>
-            </a:lvl6pPr>
-            <a:lvl7pPr marL="1300000" indent="-228600" algn="l" defTabSz="914400" rtl="0" eaLnBrk="1" latinLnBrk="0" hangingPunct="1">
-              <a:lnSpc>
-                <a:spcPct val="90000"/>
-              </a:lnSpc>
-              <a:spcBef>
-                <a:spcPts val="200"/>
-              </a:spcBef>
-              <a:spcAft>
-                <a:spcPts val="400"/>
-              </a:spcAft>
-              <a:buClr>
-                <a:schemeClr val="accent1"/>
-              </a:buClr>
-              <a:buFont typeface="Calibri" pitchFamily="34" charset="0"/>
-              <a:buChar char="◦"/>
-              <a:defRPr kumimoji="1" sz="1400" kern="1200">
-                <a:solidFill>
-                  <a:schemeClr val="tx1">
-                    <a:lumMod val="75000"/>
-                    <a:lumOff val="25000"/>
-                  </a:schemeClr>
-                </a:solidFill>
-                <a:latin typeface="+mn-lt"/>
-                <a:ea typeface="+mn-ea"/>
-                <a:cs typeface="+mn-cs"/>
-              </a:defRPr>
-            </a:lvl7pPr>
-            <a:lvl8pPr marL="1500000" indent="-228600" algn="l" defTabSz="914400" rtl="0" eaLnBrk="1" latinLnBrk="0" hangingPunct="1">
-              <a:lnSpc>
-                <a:spcPct val="90000"/>
-              </a:lnSpc>
-              <a:spcBef>
-                <a:spcPts val="200"/>
-              </a:spcBef>
-              <a:spcAft>
-                <a:spcPts val="400"/>
-              </a:spcAft>
-              <a:buClr>
-                <a:schemeClr val="accent1"/>
-              </a:buClr>
-              <a:buFont typeface="Calibri" pitchFamily="34" charset="0"/>
-              <a:buChar char="◦"/>
-              <a:defRPr kumimoji="1" sz="1400" kern="1200">
-                <a:solidFill>
-                  <a:schemeClr val="tx1">
-                    <a:lumMod val="75000"/>
-                    <a:lumOff val="25000"/>
-                  </a:schemeClr>
-                </a:solidFill>
-                <a:latin typeface="+mn-lt"/>
-                <a:ea typeface="+mn-ea"/>
-                <a:cs typeface="+mn-cs"/>
-              </a:defRPr>
-            </a:lvl8pPr>
-            <a:lvl9pPr marL="1700000" indent="-228600" algn="l" defTabSz="914400" rtl="0" eaLnBrk="1" latinLnBrk="0" hangingPunct="1">
-              <a:lnSpc>
-                <a:spcPct val="90000"/>
-              </a:lnSpc>
-              <a:spcBef>
-                <a:spcPts val="200"/>
-              </a:spcBef>
-              <a:spcAft>
-                <a:spcPts val="400"/>
-              </a:spcAft>
-              <a:buClr>
-                <a:schemeClr val="accent1"/>
-              </a:buClr>
-              <a:buFont typeface="Calibri" pitchFamily="34" charset="0"/>
-              <a:buChar char="◦"/>
-              <a:defRPr kumimoji="1" sz="1400" kern="1200">
-                <a:solidFill>
-                  <a:schemeClr val="tx1">
-                    <a:lumMod val="75000"/>
-                    <a:lumOff val="25000"/>
-                  </a:schemeClr>
-                </a:solidFill>
-                <a:latin typeface="+mn-lt"/>
-                <a:ea typeface="+mn-ea"/>
-                <a:cs typeface="+mn-cs"/>
-              </a:defRPr>
-            </a:lvl9pPr>
-          </a:lstStyle>
-          <a:p>
-            <a:pPr marL="109728" indent="0">
-              <a:buFont typeface="Calibri" panose="020F0502020204030204" pitchFamily="34" charset="0"/>
-              <a:buNone/>
-            </a:pPr>
-            <a:r>
-              <a:rPr lang="ja-JP" altLang="en-US" sz="2800" dirty="0" smtClean="0"/>
-              <a:t>社員情報管理システム</a:t>
-            </a:r>
-            <a:endParaRPr lang="ja-JP" altLang="en-US" sz="2800" dirty="0"/>
-          </a:p>
-        </p:txBody>
-      </p:sp>
-      <p:sp>
-        <p:nvSpPr>
-          <p:cNvPr id="8" name="コンテンツ プレースホルダー 2"/>
-          <p:cNvSpPr txBox="1">
-            <a:spLocks/>
-          </p:cNvSpPr>
-          <p:nvPr/>
-        </p:nvSpPr>
-        <p:spPr>
-          <a:xfrm>
-            <a:off x="539552" y="1340768"/>
-            <a:ext cx="3787468" cy="3744416"/>
-          </a:xfrm>
-          <a:prstGeom prst="rect">
-            <a:avLst/>
-          </a:prstGeom>
-        </p:spPr>
-        <p:txBody>
-          <a:bodyPr vert="horz" lIns="0" tIns="45720" rIns="0" bIns="45720" rtlCol="0">
-            <a:normAutofit/>
-          </a:bodyPr>
-          <a:lstStyle>
-            <a:lvl1pPr marL="91440" indent="-91440" algn="l" defTabSz="914400" rtl="0" eaLnBrk="1" latinLnBrk="0" hangingPunct="1">
-              <a:lnSpc>
-                <a:spcPct val="90000"/>
-              </a:lnSpc>
-              <a:spcBef>
-                <a:spcPts val="1200"/>
-              </a:spcBef>
-              <a:spcAft>
-                <a:spcPts val="200"/>
-              </a:spcAft>
-              <a:buClr>
-                <a:schemeClr val="accent1"/>
-              </a:buClr>
-              <a:buSzPct val="100000"/>
-              <a:buFont typeface="Calibri" panose="020F0502020204030204" pitchFamily="34" charset="0"/>
-              <a:buChar char=" "/>
-              <a:defRPr kumimoji="1" sz="2000" kern="1200">
-                <a:solidFill>
-                  <a:schemeClr val="tx1">
-                    <a:lumMod val="75000"/>
-                    <a:lumOff val="25000"/>
-                  </a:schemeClr>
-                </a:solidFill>
-                <a:latin typeface="+mn-lt"/>
-                <a:ea typeface="+mn-ea"/>
-                <a:cs typeface="+mn-cs"/>
-              </a:defRPr>
-            </a:lvl1pPr>
-            <a:lvl2pPr marL="384048" indent="-182880" algn="l" defTabSz="914400" rtl="0" eaLnBrk="1" latinLnBrk="0" hangingPunct="1">
-              <a:lnSpc>
-                <a:spcPct val="90000"/>
-              </a:lnSpc>
-              <a:spcBef>
-                <a:spcPts val="200"/>
-              </a:spcBef>
-              <a:spcAft>
-                <a:spcPts val="400"/>
-              </a:spcAft>
-              <a:buClr>
-                <a:schemeClr val="accent1"/>
-              </a:buClr>
-              <a:buFont typeface="Calibri" pitchFamily="34" charset="0"/>
-              <a:buChar char="◦"/>
-              <a:defRPr kumimoji="1" sz="1800" kern="1200">
-                <a:solidFill>
-                  <a:schemeClr val="tx1">
-                    <a:lumMod val="75000"/>
-                    <a:lumOff val="25000"/>
-                  </a:schemeClr>
-                </a:solidFill>
-                <a:latin typeface="+mn-lt"/>
-                <a:ea typeface="+mn-ea"/>
-                <a:cs typeface="+mn-cs"/>
-              </a:defRPr>
-            </a:lvl2pPr>
-            <a:lvl3pPr marL="566928" indent="-182880" algn="l" defTabSz="914400" rtl="0" eaLnBrk="1" latinLnBrk="0" hangingPunct="1">
-              <a:lnSpc>
-                <a:spcPct val="90000"/>
-              </a:lnSpc>
-              <a:spcBef>
-                <a:spcPts val="200"/>
-              </a:spcBef>
-              <a:spcAft>
-                <a:spcPts val="400"/>
-              </a:spcAft>
-              <a:buClr>
-                <a:schemeClr val="accent1"/>
-              </a:buClr>
-              <a:buFont typeface="Calibri" pitchFamily="34" charset="0"/>
-              <a:buChar char="◦"/>
-              <a:defRPr kumimoji="1" sz="1400" kern="1200">
-                <a:solidFill>
-                  <a:schemeClr val="tx1">
-                    <a:lumMod val="75000"/>
-                    <a:lumOff val="25000"/>
-                  </a:schemeClr>
-                </a:solidFill>
-                <a:latin typeface="+mn-lt"/>
-                <a:ea typeface="+mn-ea"/>
-                <a:cs typeface="+mn-cs"/>
-              </a:defRPr>
-            </a:lvl3pPr>
-            <a:lvl4pPr marL="749808" indent="-182880" algn="l" defTabSz="914400" rtl="0" eaLnBrk="1" latinLnBrk="0" hangingPunct="1">
-              <a:lnSpc>
-                <a:spcPct val="90000"/>
-              </a:lnSpc>
-              <a:spcBef>
-                <a:spcPts val="200"/>
-              </a:spcBef>
-              <a:spcAft>
-                <a:spcPts val="400"/>
-              </a:spcAft>
-              <a:buClr>
-                <a:schemeClr val="accent1"/>
-              </a:buClr>
-              <a:buFont typeface="Calibri" pitchFamily="34" charset="0"/>
-              <a:buChar char="◦"/>
-              <a:defRPr kumimoji="1" sz="1400" kern="1200">
-                <a:solidFill>
-                  <a:schemeClr val="tx1">
-                    <a:lumMod val="75000"/>
-                    <a:lumOff val="25000"/>
-                  </a:schemeClr>
-                </a:solidFill>
-                <a:latin typeface="+mn-lt"/>
-                <a:ea typeface="+mn-ea"/>
-                <a:cs typeface="+mn-cs"/>
-              </a:defRPr>
-            </a:lvl4pPr>
-            <a:lvl5pPr marL="932688" indent="-182880" algn="l" defTabSz="914400" rtl="0" eaLnBrk="1" latinLnBrk="0" hangingPunct="1">
-              <a:lnSpc>
-                <a:spcPct val="90000"/>
-              </a:lnSpc>
-              <a:spcBef>
-                <a:spcPts val="200"/>
-              </a:spcBef>
-              <a:spcAft>
-                <a:spcPts val="400"/>
-              </a:spcAft>
-              <a:buClr>
-                <a:schemeClr val="accent1"/>
-              </a:buClr>
-              <a:buFont typeface="Calibri" pitchFamily="34" charset="0"/>
-              <a:buChar char="◦"/>
-              <a:defRPr kumimoji="1" sz="1400" kern="1200">
-                <a:solidFill>
-                  <a:schemeClr val="tx1">
-                    <a:lumMod val="75000"/>
-                    <a:lumOff val="25000"/>
-                  </a:schemeClr>
-                </a:solidFill>
-                <a:latin typeface="+mn-lt"/>
-                <a:ea typeface="+mn-ea"/>
-                <a:cs typeface="+mn-cs"/>
-              </a:defRPr>
-            </a:lvl5pPr>
-            <a:lvl6pPr marL="1100000" indent="-228600" algn="l" defTabSz="914400" rtl="0" eaLnBrk="1" latinLnBrk="0" hangingPunct="1">
-              <a:lnSpc>
-                <a:spcPct val="90000"/>
-              </a:lnSpc>
-              <a:spcBef>
-                <a:spcPts val="200"/>
-              </a:spcBef>
-              <a:spcAft>
-                <a:spcPts val="400"/>
-              </a:spcAft>
-              <a:buClr>
-                <a:schemeClr val="accent1"/>
-              </a:buClr>
-              <a:buFont typeface="Calibri" pitchFamily="34" charset="0"/>
-              <a:buChar char="◦"/>
-              <a:defRPr kumimoji="1" sz="1400" kern="1200">
-                <a:solidFill>
-                  <a:schemeClr val="tx1">
-                    <a:lumMod val="75000"/>
-                    <a:lumOff val="25000"/>
-                  </a:schemeClr>
-                </a:solidFill>
-                <a:latin typeface="+mn-lt"/>
-                <a:ea typeface="+mn-ea"/>
-                <a:cs typeface="+mn-cs"/>
-              </a:defRPr>
-            </a:lvl6pPr>
-            <a:lvl7pPr marL="1300000" indent="-228600" algn="l" defTabSz="914400" rtl="0" eaLnBrk="1" latinLnBrk="0" hangingPunct="1">
-              <a:lnSpc>
-                <a:spcPct val="90000"/>
-              </a:lnSpc>
-              <a:spcBef>
-                <a:spcPts val="200"/>
-              </a:spcBef>
-              <a:spcAft>
-                <a:spcPts val="400"/>
-              </a:spcAft>
-              <a:buClr>
-                <a:schemeClr val="accent1"/>
-              </a:buClr>
-              <a:buFont typeface="Calibri" pitchFamily="34" charset="0"/>
-              <a:buChar char="◦"/>
-              <a:defRPr kumimoji="1" sz="1400" kern="1200">
-                <a:solidFill>
-                  <a:schemeClr val="tx1">
-                    <a:lumMod val="75000"/>
-                    <a:lumOff val="25000"/>
-                  </a:schemeClr>
-                </a:solidFill>
-                <a:latin typeface="+mn-lt"/>
-                <a:ea typeface="+mn-ea"/>
-                <a:cs typeface="+mn-cs"/>
-              </a:defRPr>
-            </a:lvl7pPr>
-            <a:lvl8pPr marL="1500000" indent="-228600" algn="l" defTabSz="914400" rtl="0" eaLnBrk="1" latinLnBrk="0" hangingPunct="1">
-              <a:lnSpc>
-                <a:spcPct val="90000"/>
-              </a:lnSpc>
-              <a:spcBef>
-                <a:spcPts val="200"/>
-              </a:spcBef>
-              <a:spcAft>
-                <a:spcPts val="400"/>
-              </a:spcAft>
-              <a:buClr>
-                <a:schemeClr val="accent1"/>
-              </a:buClr>
-              <a:buFont typeface="Calibri" pitchFamily="34" charset="0"/>
-              <a:buChar char="◦"/>
-              <a:defRPr kumimoji="1" sz="1400" kern="1200">
-                <a:solidFill>
-                  <a:schemeClr val="tx1">
-                    <a:lumMod val="75000"/>
-                    <a:lumOff val="25000"/>
-                  </a:schemeClr>
-                </a:solidFill>
-                <a:latin typeface="+mn-lt"/>
-                <a:ea typeface="+mn-ea"/>
-                <a:cs typeface="+mn-cs"/>
-              </a:defRPr>
-            </a:lvl8pPr>
-            <a:lvl9pPr marL="1700000" indent="-228600" algn="l" defTabSz="914400" rtl="0" eaLnBrk="1" latinLnBrk="0" hangingPunct="1">
-              <a:lnSpc>
-                <a:spcPct val="90000"/>
-              </a:lnSpc>
-              <a:spcBef>
-                <a:spcPts val="200"/>
-              </a:spcBef>
-              <a:spcAft>
-                <a:spcPts val="400"/>
-              </a:spcAft>
-              <a:buClr>
-                <a:schemeClr val="accent1"/>
-              </a:buClr>
-              <a:buFont typeface="Calibri" pitchFamily="34" charset="0"/>
-              <a:buChar char="◦"/>
-              <a:defRPr kumimoji="1" sz="1400" kern="1200">
-                <a:solidFill>
-                  <a:schemeClr val="tx1">
-                    <a:lumMod val="75000"/>
-                    <a:lumOff val="25000"/>
-                  </a:schemeClr>
-                </a:solidFill>
-                <a:latin typeface="+mn-lt"/>
-                <a:ea typeface="+mn-ea"/>
-                <a:cs typeface="+mn-cs"/>
-              </a:defRPr>
-            </a:lvl9pPr>
-          </a:lstStyle>
-          <a:p>
-            <a:pPr marL="109728" indent="0">
-              <a:lnSpc>
-                <a:spcPct val="110000"/>
-              </a:lnSpc>
-              <a:buNone/>
-            </a:pPr>
-            <a:r>
-              <a:rPr lang="ja-JP" altLang="en-US" sz="3500" dirty="0"/>
-              <a:t>・要件</a:t>
-            </a:r>
-            <a:r>
-              <a:rPr lang="ja-JP" altLang="en-US" sz="3500" dirty="0" smtClean="0"/>
-              <a:t>定義書</a:t>
-            </a:r>
-            <a:endParaRPr lang="en-US" altLang="ja-JP" sz="3500" dirty="0" smtClean="0"/>
-          </a:p>
-          <a:p>
-            <a:pPr marL="109728" indent="0">
-              <a:lnSpc>
-                <a:spcPct val="110000"/>
-              </a:lnSpc>
-              <a:buNone/>
-            </a:pPr>
-            <a:endParaRPr lang="ja-JP" altLang="en-US" sz="1200" dirty="0"/>
-          </a:p>
-          <a:p>
-            <a:pPr marL="109728" indent="0">
-              <a:lnSpc>
-                <a:spcPct val="110000"/>
-              </a:lnSpc>
-              <a:buNone/>
-            </a:pPr>
-            <a:r>
-              <a:rPr lang="ja-JP" altLang="en-US" sz="3500" dirty="0"/>
-              <a:t>・</a:t>
-            </a:r>
-            <a:r>
-              <a:rPr lang="en-US" altLang="ja-JP" sz="3500" dirty="0"/>
-              <a:t>ER</a:t>
-            </a:r>
-            <a:r>
-              <a:rPr lang="ja-JP" altLang="en-US" sz="3500" dirty="0"/>
-              <a:t>図</a:t>
-            </a:r>
-          </a:p>
-          <a:p>
-            <a:pPr marL="109728" indent="0">
-              <a:lnSpc>
-                <a:spcPct val="110000"/>
-              </a:lnSpc>
-              <a:buNone/>
-            </a:pPr>
-            <a:r>
-              <a:rPr lang="ja-JP" altLang="en-US" sz="3500" dirty="0"/>
-              <a:t>・データフロー図</a:t>
-            </a:r>
-          </a:p>
-          <a:p>
-            <a:pPr marL="109728" indent="0">
-              <a:lnSpc>
-                <a:spcPct val="110000"/>
-              </a:lnSpc>
-              <a:buNone/>
-            </a:pPr>
-            <a:r>
-              <a:rPr lang="ja-JP" altLang="en-US" sz="3500" dirty="0"/>
-              <a:t>・</a:t>
-            </a:r>
-            <a:r>
-              <a:rPr lang="ja-JP" altLang="en-US" sz="3500" dirty="0" smtClean="0"/>
-              <a:t>ユースケース図</a:t>
-            </a:r>
-            <a:endParaRPr lang="ja-JP" altLang="en-US" sz="3500" dirty="0"/>
-          </a:p>
-        </p:txBody>
-      </p:sp>
-      <p:cxnSp>
-        <p:nvCxnSpPr>
-          <p:cNvPr id="10" name="直線コネクタ 9"/>
-          <p:cNvCxnSpPr/>
-          <p:nvPr/>
-        </p:nvCxnSpPr>
-        <p:spPr>
-          <a:xfrm>
-            <a:off x="354684" y="1124744"/>
-            <a:ext cx="8249764" cy="0"/>
-          </a:xfrm>
-          <a:prstGeom prst="line">
-            <a:avLst/>
-          </a:prstGeom>
-        </p:spPr>
-        <p:style>
-          <a:lnRef idx="1">
-            <a:schemeClr val="accent1"/>
-          </a:lnRef>
-          <a:fillRef idx="0">
-            <a:schemeClr val="accent1"/>
-          </a:fillRef>
-          <a:effectRef idx="0">
-            <a:schemeClr val="accent1"/>
-          </a:effectRef>
-          <a:fontRef idx="minor">
-            <a:schemeClr val="tx1"/>
-          </a:fontRef>
-        </p:style>
-      </p:cxnSp>
-      <p:sp>
-        <p:nvSpPr>
-          <p:cNvPr id="11" name="コンテンツ プレースホルダー 2"/>
-          <p:cNvSpPr txBox="1">
-            <a:spLocks/>
-          </p:cNvSpPr>
-          <p:nvPr/>
-        </p:nvSpPr>
-        <p:spPr>
-          <a:xfrm>
-            <a:off x="4690475" y="1193956"/>
-            <a:ext cx="3787468" cy="4058582"/>
-          </a:xfrm>
-          <a:prstGeom prst="rect">
-            <a:avLst/>
-          </a:prstGeom>
-        </p:spPr>
-        <p:txBody>
-          <a:bodyPr vert="horz" lIns="0" tIns="45720" rIns="0" bIns="45720" rtlCol="0">
-            <a:normAutofit/>
-          </a:bodyPr>
-          <a:lstStyle>
-            <a:lvl1pPr marL="91440" indent="-91440" algn="l" defTabSz="914400" rtl="0" eaLnBrk="1" latinLnBrk="0" hangingPunct="1">
-              <a:lnSpc>
-                <a:spcPct val="90000"/>
-              </a:lnSpc>
-              <a:spcBef>
-                <a:spcPts val="1200"/>
-              </a:spcBef>
-              <a:spcAft>
-                <a:spcPts val="200"/>
-              </a:spcAft>
-              <a:buClr>
-                <a:schemeClr val="accent1"/>
-              </a:buClr>
-              <a:buSzPct val="100000"/>
-              <a:buFont typeface="Calibri" panose="020F0502020204030204" pitchFamily="34" charset="0"/>
-              <a:buChar char=" "/>
-              <a:defRPr kumimoji="1" sz="2000" kern="1200">
-                <a:solidFill>
-                  <a:schemeClr val="tx1">
-                    <a:lumMod val="75000"/>
-                    <a:lumOff val="25000"/>
-                  </a:schemeClr>
-                </a:solidFill>
-                <a:latin typeface="+mn-lt"/>
-                <a:ea typeface="+mn-ea"/>
-                <a:cs typeface="+mn-cs"/>
-              </a:defRPr>
-            </a:lvl1pPr>
-            <a:lvl2pPr marL="384048" indent="-182880" algn="l" defTabSz="914400" rtl="0" eaLnBrk="1" latinLnBrk="0" hangingPunct="1">
-              <a:lnSpc>
-                <a:spcPct val="90000"/>
-              </a:lnSpc>
-              <a:spcBef>
-                <a:spcPts val="200"/>
-              </a:spcBef>
-              <a:spcAft>
-                <a:spcPts val="400"/>
-              </a:spcAft>
-              <a:buClr>
-                <a:schemeClr val="accent1"/>
-              </a:buClr>
-              <a:buFont typeface="Calibri" pitchFamily="34" charset="0"/>
-              <a:buChar char="◦"/>
-              <a:defRPr kumimoji="1" sz="1800" kern="1200">
-                <a:solidFill>
-                  <a:schemeClr val="tx1">
-                    <a:lumMod val="75000"/>
-                    <a:lumOff val="25000"/>
-                  </a:schemeClr>
-                </a:solidFill>
-                <a:latin typeface="+mn-lt"/>
-                <a:ea typeface="+mn-ea"/>
-                <a:cs typeface="+mn-cs"/>
-              </a:defRPr>
-            </a:lvl2pPr>
-            <a:lvl3pPr marL="566928" indent="-182880" algn="l" defTabSz="914400" rtl="0" eaLnBrk="1" latinLnBrk="0" hangingPunct="1">
-              <a:lnSpc>
-                <a:spcPct val="90000"/>
-              </a:lnSpc>
-              <a:spcBef>
-                <a:spcPts val="200"/>
-              </a:spcBef>
-              <a:spcAft>
-                <a:spcPts val="400"/>
-              </a:spcAft>
-              <a:buClr>
-                <a:schemeClr val="accent1"/>
-              </a:buClr>
-              <a:buFont typeface="Calibri" pitchFamily="34" charset="0"/>
-              <a:buChar char="◦"/>
-              <a:defRPr kumimoji="1" sz="1400" kern="1200">
-                <a:solidFill>
-                  <a:schemeClr val="tx1">
-                    <a:lumMod val="75000"/>
-                    <a:lumOff val="25000"/>
-                  </a:schemeClr>
-                </a:solidFill>
-                <a:latin typeface="+mn-lt"/>
-                <a:ea typeface="+mn-ea"/>
-                <a:cs typeface="+mn-cs"/>
-              </a:defRPr>
-            </a:lvl3pPr>
-            <a:lvl4pPr marL="749808" indent="-182880" algn="l" defTabSz="914400" rtl="0" eaLnBrk="1" latinLnBrk="0" hangingPunct="1">
-              <a:lnSpc>
-                <a:spcPct val="90000"/>
-              </a:lnSpc>
-              <a:spcBef>
-                <a:spcPts val="200"/>
-              </a:spcBef>
-              <a:spcAft>
-                <a:spcPts val="400"/>
-              </a:spcAft>
-              <a:buClr>
-                <a:schemeClr val="accent1"/>
-              </a:buClr>
-              <a:buFont typeface="Calibri" pitchFamily="34" charset="0"/>
-              <a:buChar char="◦"/>
-              <a:defRPr kumimoji="1" sz="1400" kern="1200">
-                <a:solidFill>
-                  <a:schemeClr val="tx1">
-                    <a:lumMod val="75000"/>
-                    <a:lumOff val="25000"/>
-                  </a:schemeClr>
-                </a:solidFill>
-                <a:latin typeface="+mn-lt"/>
-                <a:ea typeface="+mn-ea"/>
-                <a:cs typeface="+mn-cs"/>
-              </a:defRPr>
-            </a:lvl4pPr>
-            <a:lvl5pPr marL="932688" indent="-182880" algn="l" defTabSz="914400" rtl="0" eaLnBrk="1" latinLnBrk="0" hangingPunct="1">
-              <a:lnSpc>
-                <a:spcPct val="90000"/>
-              </a:lnSpc>
-              <a:spcBef>
-                <a:spcPts val="200"/>
-              </a:spcBef>
-              <a:spcAft>
-                <a:spcPts val="400"/>
-              </a:spcAft>
-              <a:buClr>
-                <a:schemeClr val="accent1"/>
-              </a:buClr>
-              <a:buFont typeface="Calibri" pitchFamily="34" charset="0"/>
-              <a:buChar char="◦"/>
-              <a:defRPr kumimoji="1" sz="1400" kern="1200">
-                <a:solidFill>
-                  <a:schemeClr val="tx1">
-                    <a:lumMod val="75000"/>
-                    <a:lumOff val="25000"/>
-                  </a:schemeClr>
-                </a:solidFill>
-                <a:latin typeface="+mn-lt"/>
-                <a:ea typeface="+mn-ea"/>
-                <a:cs typeface="+mn-cs"/>
-              </a:defRPr>
-            </a:lvl5pPr>
-            <a:lvl6pPr marL="1100000" indent="-228600" algn="l" defTabSz="914400" rtl="0" eaLnBrk="1" latinLnBrk="0" hangingPunct="1">
-              <a:lnSpc>
-                <a:spcPct val="90000"/>
-              </a:lnSpc>
-              <a:spcBef>
-                <a:spcPts val="200"/>
-              </a:spcBef>
-              <a:spcAft>
-                <a:spcPts val="400"/>
-              </a:spcAft>
-              <a:buClr>
-                <a:schemeClr val="accent1"/>
-              </a:buClr>
-              <a:buFont typeface="Calibri" pitchFamily="34" charset="0"/>
-              <a:buChar char="◦"/>
-              <a:defRPr kumimoji="1" sz="1400" kern="1200">
-                <a:solidFill>
-                  <a:schemeClr val="tx1">
-                    <a:lumMod val="75000"/>
-                    <a:lumOff val="25000"/>
-                  </a:schemeClr>
-                </a:solidFill>
-                <a:latin typeface="+mn-lt"/>
-                <a:ea typeface="+mn-ea"/>
-                <a:cs typeface="+mn-cs"/>
-              </a:defRPr>
-            </a:lvl6pPr>
-            <a:lvl7pPr marL="1300000" indent="-228600" algn="l" defTabSz="914400" rtl="0" eaLnBrk="1" latinLnBrk="0" hangingPunct="1">
-              <a:lnSpc>
-                <a:spcPct val="90000"/>
-              </a:lnSpc>
-              <a:spcBef>
-                <a:spcPts val="200"/>
-              </a:spcBef>
-              <a:spcAft>
-                <a:spcPts val="400"/>
-              </a:spcAft>
-              <a:buClr>
-                <a:schemeClr val="accent1"/>
-              </a:buClr>
-              <a:buFont typeface="Calibri" pitchFamily="34" charset="0"/>
-              <a:buChar char="◦"/>
-              <a:defRPr kumimoji="1" sz="1400" kern="1200">
-                <a:solidFill>
-                  <a:schemeClr val="tx1">
-                    <a:lumMod val="75000"/>
-                    <a:lumOff val="25000"/>
-                  </a:schemeClr>
-                </a:solidFill>
-                <a:latin typeface="+mn-lt"/>
-                <a:ea typeface="+mn-ea"/>
-                <a:cs typeface="+mn-cs"/>
-              </a:defRPr>
-            </a:lvl7pPr>
-            <a:lvl8pPr marL="1500000" indent="-228600" algn="l" defTabSz="914400" rtl="0" eaLnBrk="1" latinLnBrk="0" hangingPunct="1">
-              <a:lnSpc>
-                <a:spcPct val="90000"/>
-              </a:lnSpc>
-              <a:spcBef>
-                <a:spcPts val="200"/>
-              </a:spcBef>
-              <a:spcAft>
-                <a:spcPts val="400"/>
-              </a:spcAft>
-              <a:buClr>
-                <a:schemeClr val="accent1"/>
-              </a:buClr>
-              <a:buFont typeface="Calibri" pitchFamily="34" charset="0"/>
-              <a:buChar char="◦"/>
-              <a:defRPr kumimoji="1" sz="1400" kern="1200">
-                <a:solidFill>
-                  <a:schemeClr val="tx1">
-                    <a:lumMod val="75000"/>
-                    <a:lumOff val="25000"/>
-                  </a:schemeClr>
-                </a:solidFill>
-                <a:latin typeface="+mn-lt"/>
-                <a:ea typeface="+mn-ea"/>
-                <a:cs typeface="+mn-cs"/>
-              </a:defRPr>
-            </a:lvl8pPr>
-            <a:lvl9pPr marL="1700000" indent="-228600" algn="l" defTabSz="914400" rtl="0" eaLnBrk="1" latinLnBrk="0" hangingPunct="1">
-              <a:lnSpc>
-                <a:spcPct val="90000"/>
-              </a:lnSpc>
-              <a:spcBef>
-                <a:spcPts val="200"/>
-              </a:spcBef>
-              <a:spcAft>
-                <a:spcPts val="400"/>
-              </a:spcAft>
-              <a:buClr>
-                <a:schemeClr val="accent1"/>
-              </a:buClr>
-              <a:buFont typeface="Calibri" pitchFamily="34" charset="0"/>
-              <a:buChar char="◦"/>
-              <a:defRPr kumimoji="1" sz="1400" kern="1200">
-                <a:solidFill>
-                  <a:schemeClr val="tx1">
-                    <a:lumMod val="75000"/>
-                    <a:lumOff val="25000"/>
-                  </a:schemeClr>
-                </a:solidFill>
-                <a:latin typeface="+mn-lt"/>
-                <a:ea typeface="+mn-ea"/>
-                <a:cs typeface="+mn-cs"/>
-              </a:defRPr>
-            </a:lvl9pPr>
-          </a:lstStyle>
-          <a:p>
-            <a:pPr marL="109728" indent="0">
-              <a:lnSpc>
-                <a:spcPct val="110000"/>
-              </a:lnSpc>
-              <a:buNone/>
-            </a:pPr>
-            <a:r>
-              <a:rPr lang="ja-JP" altLang="en-US" sz="3500" dirty="0"/>
-              <a:t>・画面設計図</a:t>
-            </a:r>
-          </a:p>
-          <a:p>
-            <a:pPr marL="109728" indent="0">
-              <a:lnSpc>
-                <a:spcPct val="110000"/>
-              </a:lnSpc>
-              <a:buNone/>
-            </a:pPr>
-            <a:r>
-              <a:rPr lang="ja-JP" altLang="en-US" sz="3500" dirty="0"/>
-              <a:t>・画面遷移図</a:t>
-            </a:r>
-          </a:p>
-          <a:p>
-            <a:pPr marL="109728" indent="0">
-              <a:lnSpc>
-                <a:spcPct val="110000"/>
-              </a:lnSpc>
-              <a:buNone/>
-            </a:pPr>
-            <a:r>
-              <a:rPr lang="ja-JP" altLang="en-US" sz="3500" dirty="0"/>
-              <a:t>・外部設計仕様書</a:t>
-            </a:r>
-          </a:p>
-          <a:p>
-            <a:pPr marL="109728" indent="0">
-              <a:lnSpc>
-                <a:spcPct val="110000"/>
-              </a:lnSpc>
-              <a:buNone/>
-            </a:pPr>
-            <a:r>
-              <a:rPr lang="ja-JP" altLang="en-US" sz="3500" dirty="0"/>
-              <a:t>・状態遷移図</a:t>
-            </a:r>
-          </a:p>
-          <a:p>
-            <a:pPr marL="109728" indent="0">
-              <a:lnSpc>
-                <a:spcPct val="110000"/>
-              </a:lnSpc>
-              <a:buNone/>
-            </a:pPr>
-            <a:r>
-              <a:rPr lang="ja-JP" altLang="en-US" sz="3500" dirty="0"/>
-              <a:t>・内部設計仕様書</a:t>
-            </a:r>
-            <a:endParaRPr lang="ja-JP" altLang="en-US" sz="3200" dirty="0"/>
-          </a:p>
-        </p:txBody>
-      </p:sp>
-      <p:sp>
-        <p:nvSpPr>
-          <p:cNvPr id="12" name="コンテンツ プレースホルダー 2"/>
-          <p:cNvSpPr txBox="1">
-            <a:spLocks/>
-          </p:cNvSpPr>
-          <p:nvPr/>
-        </p:nvSpPr>
-        <p:spPr>
-          <a:xfrm>
-            <a:off x="544666" y="5157192"/>
-            <a:ext cx="8769619" cy="957333"/>
-          </a:xfrm>
-          <a:prstGeom prst="rect">
-            <a:avLst/>
-          </a:prstGeom>
-        </p:spPr>
-        <p:txBody>
-          <a:bodyPr vert="horz" lIns="0" tIns="45720" rIns="0" bIns="45720" rtlCol="0">
-            <a:normAutofit fontScale="85000" lnSpcReduction="20000"/>
-          </a:bodyPr>
-          <a:lstStyle>
-            <a:lvl1pPr marL="91440" indent="-91440" algn="l" defTabSz="914400" rtl="0" eaLnBrk="1" latinLnBrk="0" hangingPunct="1">
-              <a:lnSpc>
-                <a:spcPct val="90000"/>
-              </a:lnSpc>
-              <a:spcBef>
-                <a:spcPts val="1200"/>
-              </a:spcBef>
-              <a:spcAft>
-                <a:spcPts val="200"/>
-              </a:spcAft>
-              <a:buClr>
-                <a:schemeClr val="accent1"/>
-              </a:buClr>
-              <a:buSzPct val="100000"/>
-              <a:buFont typeface="Calibri" panose="020F0502020204030204" pitchFamily="34" charset="0"/>
-              <a:buChar char=" "/>
-              <a:defRPr kumimoji="1" sz="2000" kern="1200">
-                <a:solidFill>
-                  <a:schemeClr val="tx1">
-                    <a:lumMod val="75000"/>
-                    <a:lumOff val="25000"/>
-                  </a:schemeClr>
-                </a:solidFill>
-                <a:latin typeface="+mn-lt"/>
-                <a:ea typeface="+mn-ea"/>
-                <a:cs typeface="+mn-cs"/>
-              </a:defRPr>
-            </a:lvl1pPr>
-            <a:lvl2pPr marL="384048" indent="-182880" algn="l" defTabSz="914400" rtl="0" eaLnBrk="1" latinLnBrk="0" hangingPunct="1">
-              <a:lnSpc>
-                <a:spcPct val="90000"/>
-              </a:lnSpc>
-              <a:spcBef>
-                <a:spcPts val="200"/>
-              </a:spcBef>
-              <a:spcAft>
-                <a:spcPts val="400"/>
-              </a:spcAft>
-              <a:buClr>
-                <a:schemeClr val="accent1"/>
-              </a:buClr>
-              <a:buFont typeface="Calibri" pitchFamily="34" charset="0"/>
-              <a:buChar char="◦"/>
-              <a:defRPr kumimoji="1" sz="1800" kern="1200">
-                <a:solidFill>
-                  <a:schemeClr val="tx1">
-                    <a:lumMod val="75000"/>
-                    <a:lumOff val="25000"/>
-                  </a:schemeClr>
-                </a:solidFill>
-                <a:latin typeface="+mn-lt"/>
-                <a:ea typeface="+mn-ea"/>
-                <a:cs typeface="+mn-cs"/>
-              </a:defRPr>
-            </a:lvl2pPr>
-            <a:lvl3pPr marL="566928" indent="-182880" algn="l" defTabSz="914400" rtl="0" eaLnBrk="1" latinLnBrk="0" hangingPunct="1">
-              <a:lnSpc>
-                <a:spcPct val="90000"/>
-              </a:lnSpc>
-              <a:spcBef>
-                <a:spcPts val="200"/>
-              </a:spcBef>
-              <a:spcAft>
-                <a:spcPts val="400"/>
-              </a:spcAft>
-              <a:buClr>
-                <a:schemeClr val="accent1"/>
-              </a:buClr>
-              <a:buFont typeface="Calibri" pitchFamily="34" charset="0"/>
-              <a:buChar char="◦"/>
-              <a:defRPr kumimoji="1" sz="1400" kern="1200">
-                <a:solidFill>
-                  <a:schemeClr val="tx1">
-                    <a:lumMod val="75000"/>
-                    <a:lumOff val="25000"/>
-                  </a:schemeClr>
-                </a:solidFill>
-                <a:latin typeface="+mn-lt"/>
-                <a:ea typeface="+mn-ea"/>
-                <a:cs typeface="+mn-cs"/>
-              </a:defRPr>
-            </a:lvl3pPr>
-            <a:lvl4pPr marL="749808" indent="-182880" algn="l" defTabSz="914400" rtl="0" eaLnBrk="1" latinLnBrk="0" hangingPunct="1">
-              <a:lnSpc>
-                <a:spcPct val="90000"/>
-              </a:lnSpc>
-              <a:spcBef>
-                <a:spcPts val="200"/>
-              </a:spcBef>
-              <a:spcAft>
-                <a:spcPts val="400"/>
-              </a:spcAft>
-              <a:buClr>
-                <a:schemeClr val="accent1"/>
-              </a:buClr>
-              <a:buFont typeface="Calibri" pitchFamily="34" charset="0"/>
-              <a:buChar char="◦"/>
-              <a:defRPr kumimoji="1" sz="1400" kern="1200">
-                <a:solidFill>
-                  <a:schemeClr val="tx1">
-                    <a:lumMod val="75000"/>
-                    <a:lumOff val="25000"/>
-                  </a:schemeClr>
-                </a:solidFill>
-                <a:latin typeface="+mn-lt"/>
-                <a:ea typeface="+mn-ea"/>
-                <a:cs typeface="+mn-cs"/>
-              </a:defRPr>
-            </a:lvl4pPr>
-            <a:lvl5pPr marL="932688" indent="-182880" algn="l" defTabSz="914400" rtl="0" eaLnBrk="1" latinLnBrk="0" hangingPunct="1">
-              <a:lnSpc>
-                <a:spcPct val="90000"/>
-              </a:lnSpc>
-              <a:spcBef>
-                <a:spcPts val="200"/>
-              </a:spcBef>
-              <a:spcAft>
-                <a:spcPts val="400"/>
-              </a:spcAft>
-              <a:buClr>
-                <a:schemeClr val="accent1"/>
-              </a:buClr>
-              <a:buFont typeface="Calibri" pitchFamily="34" charset="0"/>
-              <a:buChar char="◦"/>
-              <a:defRPr kumimoji="1" sz="1400" kern="1200">
-                <a:solidFill>
-                  <a:schemeClr val="tx1">
-                    <a:lumMod val="75000"/>
-                    <a:lumOff val="25000"/>
-                  </a:schemeClr>
-                </a:solidFill>
-                <a:latin typeface="+mn-lt"/>
-                <a:ea typeface="+mn-ea"/>
-                <a:cs typeface="+mn-cs"/>
-              </a:defRPr>
-            </a:lvl5pPr>
-            <a:lvl6pPr marL="1100000" indent="-228600" algn="l" defTabSz="914400" rtl="0" eaLnBrk="1" latinLnBrk="0" hangingPunct="1">
-              <a:lnSpc>
-                <a:spcPct val="90000"/>
-              </a:lnSpc>
-              <a:spcBef>
-                <a:spcPts val="200"/>
-              </a:spcBef>
-              <a:spcAft>
-                <a:spcPts val="400"/>
-              </a:spcAft>
-              <a:buClr>
-                <a:schemeClr val="accent1"/>
-              </a:buClr>
-              <a:buFont typeface="Calibri" pitchFamily="34" charset="0"/>
-              <a:buChar char="◦"/>
-              <a:defRPr kumimoji="1" sz="1400" kern="1200">
-                <a:solidFill>
-                  <a:schemeClr val="tx1">
-                    <a:lumMod val="75000"/>
-                    <a:lumOff val="25000"/>
-                  </a:schemeClr>
-                </a:solidFill>
-                <a:latin typeface="+mn-lt"/>
-                <a:ea typeface="+mn-ea"/>
-                <a:cs typeface="+mn-cs"/>
-              </a:defRPr>
-            </a:lvl6pPr>
-            <a:lvl7pPr marL="1300000" indent="-228600" algn="l" defTabSz="914400" rtl="0" eaLnBrk="1" latinLnBrk="0" hangingPunct="1">
-              <a:lnSpc>
-                <a:spcPct val="90000"/>
-              </a:lnSpc>
-              <a:spcBef>
-                <a:spcPts val="200"/>
-              </a:spcBef>
-              <a:spcAft>
-                <a:spcPts val="400"/>
-              </a:spcAft>
-              <a:buClr>
-                <a:schemeClr val="accent1"/>
-              </a:buClr>
-              <a:buFont typeface="Calibri" pitchFamily="34" charset="0"/>
-              <a:buChar char="◦"/>
-              <a:defRPr kumimoji="1" sz="1400" kern="1200">
-                <a:solidFill>
-                  <a:schemeClr val="tx1">
-                    <a:lumMod val="75000"/>
-                    <a:lumOff val="25000"/>
-                  </a:schemeClr>
-                </a:solidFill>
-                <a:latin typeface="+mn-lt"/>
-                <a:ea typeface="+mn-ea"/>
-                <a:cs typeface="+mn-cs"/>
-              </a:defRPr>
-            </a:lvl7pPr>
-            <a:lvl8pPr marL="1500000" indent="-228600" algn="l" defTabSz="914400" rtl="0" eaLnBrk="1" latinLnBrk="0" hangingPunct="1">
-              <a:lnSpc>
-                <a:spcPct val="90000"/>
-              </a:lnSpc>
-              <a:spcBef>
-                <a:spcPts val="200"/>
-              </a:spcBef>
-              <a:spcAft>
-                <a:spcPts val="400"/>
-              </a:spcAft>
-              <a:buClr>
-                <a:schemeClr val="accent1"/>
-              </a:buClr>
-              <a:buFont typeface="Calibri" pitchFamily="34" charset="0"/>
-              <a:buChar char="◦"/>
-              <a:defRPr kumimoji="1" sz="1400" kern="1200">
-                <a:solidFill>
-                  <a:schemeClr val="tx1">
-                    <a:lumMod val="75000"/>
-                    <a:lumOff val="25000"/>
-                  </a:schemeClr>
-                </a:solidFill>
-                <a:latin typeface="+mn-lt"/>
-                <a:ea typeface="+mn-ea"/>
-                <a:cs typeface="+mn-cs"/>
-              </a:defRPr>
-            </a:lvl8pPr>
-            <a:lvl9pPr marL="1700000" indent="-228600" algn="l" defTabSz="914400" rtl="0" eaLnBrk="1" latinLnBrk="0" hangingPunct="1">
-              <a:lnSpc>
-                <a:spcPct val="90000"/>
-              </a:lnSpc>
-              <a:spcBef>
-                <a:spcPts val="200"/>
-              </a:spcBef>
-              <a:spcAft>
-                <a:spcPts val="400"/>
-              </a:spcAft>
-              <a:buClr>
-                <a:schemeClr val="accent1"/>
-              </a:buClr>
-              <a:buFont typeface="Calibri" pitchFamily="34" charset="0"/>
-              <a:buChar char="◦"/>
-              <a:defRPr kumimoji="1" sz="1400" kern="1200">
-                <a:solidFill>
-                  <a:schemeClr val="tx1">
-                    <a:lumMod val="75000"/>
-                    <a:lumOff val="25000"/>
-                  </a:schemeClr>
-                </a:solidFill>
-                <a:latin typeface="+mn-lt"/>
-                <a:ea typeface="+mn-ea"/>
-                <a:cs typeface="+mn-cs"/>
-              </a:defRPr>
-            </a:lvl9pPr>
-          </a:lstStyle>
-          <a:p>
-            <a:pPr marL="109728" indent="0">
-              <a:lnSpc>
-                <a:spcPct val="110000"/>
-              </a:lnSpc>
-              <a:buFont typeface="Calibri" panose="020F0502020204030204" pitchFamily="34" charset="0"/>
-              <a:buNone/>
-            </a:pPr>
-            <a:r>
-              <a:rPr lang="en-US" altLang="ja-JP" sz="3500" dirty="0" smtClean="0"/>
-              <a:t>※</a:t>
-            </a:r>
-            <a:r>
-              <a:rPr lang="ja-JP" altLang="en-US" sz="3500" dirty="0" smtClean="0"/>
-              <a:t>今回のプロジェクトはスパイラルモデルのため</a:t>
-            </a:r>
-            <a:r>
-              <a:rPr lang="en-US" altLang="ja-JP" sz="3500" dirty="0" smtClean="0"/>
-              <a:t/>
-            </a:r>
-            <a:br>
-              <a:rPr lang="en-US" altLang="ja-JP" sz="3500" dirty="0" smtClean="0"/>
-            </a:br>
-            <a:r>
-              <a:rPr lang="ja-JP" altLang="en-US" sz="3500" dirty="0" smtClean="0"/>
-              <a:t>　設計書をできる限り作成しています。</a:t>
-            </a:r>
-            <a:endParaRPr lang="ja-JP" altLang="en-US" sz="3200" dirty="0"/>
-          </a:p>
-        </p:txBody>
-      </p:sp>
-    </p:spTree>
-    <p:extLst>
-      <p:ext uri="{BB962C8B-B14F-4D97-AF65-F5344CB8AC3E}">
-        <p14:creationId xmlns:p14="http://schemas.microsoft.com/office/powerpoint/2010/main" val="924328903"/>
       </p:ext>
     </p:extLst>
   </p:cSld>
